--- a/Projekttervezés és menedzsment IKT.pptx
+++ b/Projekttervezés és menedzsment IKT.pptx
@@ -4,6 +4,9 @@
   <p:sldMasterIdLst>
     <p:sldMasterId id="2147483648" r:id="rId1"/>
   </p:sldMasterIdLst>
+  <p:notesMasterIdLst>
+    <p:notesMasterId r:id="rId12"/>
+  </p:notesMasterIdLst>
   <p:sldIdLst>
     <p:sldId id="256" r:id="rId2"/>
     <p:sldId id="257" r:id="rId3"/>
@@ -113,7 +116,445 @@
       </a:defRPr>
     </a:lvl9pPr>
   </p:defaultTextStyle>
+  <p:extLst>
+    <p:ext uri="{EFAFB233-063F-42B5-8137-9DF3F51BA10A}">
+      <p15:sldGuideLst xmlns:p15="http://schemas.microsoft.com/office/powerpoint/2012/main"/>
+    </p:ext>
+  </p:extLst>
 </p:presentation>
+</file>
+
+<file path=ppt/notesMasters/notesMaster1.xml><?xml version="1.0" encoding="utf-8"?>
+<p:notesMaster xmlns:a="http://schemas.openxmlformats.org/drawingml/2006/main" xmlns:r="http://schemas.openxmlformats.org/officeDocument/2006/relationships" xmlns:p="http://schemas.openxmlformats.org/presentationml/2006/main">
+  <p:cSld>
+    <p:bg>
+      <p:bgRef idx="1001">
+        <a:schemeClr val="bg1"/>
+      </p:bgRef>
+    </p:bg>
+    <p:spTree>
+      <p:nvGrpSpPr>
+        <p:cNvPr id="1" name=""/>
+        <p:cNvGrpSpPr/>
+        <p:nvPr/>
+      </p:nvGrpSpPr>
+      <p:grpSpPr>
+        <a:xfrm>
+          <a:off x="0" y="0"/>
+          <a:ext cx="0" cy="0"/>
+          <a:chOff x="0" y="0"/>
+          <a:chExt cx="0" cy="0"/>
+        </a:xfrm>
+      </p:grpSpPr>
+      <p:sp>
+        <p:nvSpPr>
+          <p:cNvPr id="2" name="Élőfej helye 1"/>
+          <p:cNvSpPr>
+            <a:spLocks noGrp="1"/>
+          </p:cNvSpPr>
+          <p:nvPr>
+            <p:ph type="hdr" sz="quarter"/>
+          </p:nvPr>
+        </p:nvSpPr>
+        <p:spPr>
+          <a:xfrm>
+            <a:off x="0" y="0"/>
+            <a:ext cx="2971800" cy="458788"/>
+          </a:xfrm>
+          <a:prstGeom prst="rect">
+            <a:avLst/>
+          </a:prstGeom>
+        </p:spPr>
+        <p:txBody>
+          <a:bodyPr vert="horz" lIns="91440" tIns="45720" rIns="91440" bIns="45720" rtlCol="0"/>
+          <a:lstStyle>
+            <a:lvl1pPr algn="l">
+              <a:defRPr sz="1200"/>
+            </a:lvl1pPr>
+          </a:lstStyle>
+          <a:p>
+            <a:endParaRPr lang="hu-HU"/>
+          </a:p>
+        </p:txBody>
+      </p:sp>
+      <p:sp>
+        <p:nvSpPr>
+          <p:cNvPr id="3" name="Dátum helye 2"/>
+          <p:cNvSpPr>
+            <a:spLocks noGrp="1"/>
+          </p:cNvSpPr>
+          <p:nvPr>
+            <p:ph type="dt" idx="1"/>
+          </p:nvPr>
+        </p:nvSpPr>
+        <p:spPr>
+          <a:xfrm>
+            <a:off x="3884613" y="0"/>
+            <a:ext cx="2971800" cy="458788"/>
+          </a:xfrm>
+          <a:prstGeom prst="rect">
+            <a:avLst/>
+          </a:prstGeom>
+        </p:spPr>
+        <p:txBody>
+          <a:bodyPr vert="horz" lIns="91440" tIns="45720" rIns="91440" bIns="45720" rtlCol="0"/>
+          <a:lstStyle>
+            <a:lvl1pPr algn="r">
+              <a:defRPr sz="1200"/>
+            </a:lvl1pPr>
+          </a:lstStyle>
+          <a:p>
+            <a:fld id="{1CF84346-4601-4677-918A-0BA62D7057A6}" type="datetimeFigureOut">
+              <a:rPr lang="hu-HU" smtClean="0"/>
+              <a:t>2023. 12. 16.</a:t>
+            </a:fld>
+            <a:endParaRPr lang="hu-HU"/>
+          </a:p>
+        </p:txBody>
+      </p:sp>
+      <p:sp>
+        <p:nvSpPr>
+          <p:cNvPr id="4" name="Diakép helye 3"/>
+          <p:cNvSpPr>
+            <a:spLocks noGrp="1" noRot="1" noChangeAspect="1"/>
+          </p:cNvSpPr>
+          <p:nvPr>
+            <p:ph type="sldImg" idx="2"/>
+          </p:nvPr>
+        </p:nvSpPr>
+        <p:spPr>
+          <a:xfrm>
+            <a:off x="685800" y="1143000"/>
+            <a:ext cx="5486400" cy="3086100"/>
+          </a:xfrm>
+          <a:prstGeom prst="rect">
+            <a:avLst/>
+          </a:prstGeom>
+          <a:noFill/>
+          <a:ln w="12700">
+            <a:solidFill>
+              <a:prstClr val="black"/>
+            </a:solidFill>
+          </a:ln>
+        </p:spPr>
+        <p:txBody>
+          <a:bodyPr vert="horz" lIns="91440" tIns="45720" rIns="91440" bIns="45720" rtlCol="0" anchor="ctr"/>
+          <a:lstStyle/>
+          <a:p>
+            <a:endParaRPr lang="hu-HU"/>
+          </a:p>
+        </p:txBody>
+      </p:sp>
+      <p:sp>
+        <p:nvSpPr>
+          <p:cNvPr id="5" name="Jegyzetek helye 4"/>
+          <p:cNvSpPr>
+            <a:spLocks noGrp="1"/>
+          </p:cNvSpPr>
+          <p:nvPr>
+            <p:ph type="body" sz="quarter" idx="3"/>
+          </p:nvPr>
+        </p:nvSpPr>
+        <p:spPr>
+          <a:xfrm>
+            <a:off x="685800" y="4400550"/>
+            <a:ext cx="5486400" cy="3600450"/>
+          </a:xfrm>
+          <a:prstGeom prst="rect">
+            <a:avLst/>
+          </a:prstGeom>
+        </p:spPr>
+        <p:txBody>
+          <a:bodyPr vert="horz" lIns="91440" tIns="45720" rIns="91440" bIns="45720" rtlCol="0"/>
+          <a:lstStyle/>
+          <a:p>
+            <a:pPr lvl="0"/>
+            <a:r>
+              <a:rPr lang="hu-HU"/>
+              <a:t>Mintaszöveg szerkesztése</a:t>
+            </a:r>
+          </a:p>
+          <a:p>
+            <a:pPr lvl="1"/>
+            <a:r>
+              <a:rPr lang="hu-HU"/>
+              <a:t>Második szint</a:t>
+            </a:r>
+          </a:p>
+          <a:p>
+            <a:pPr lvl="2"/>
+            <a:r>
+              <a:rPr lang="hu-HU"/>
+              <a:t>Harmadik szint</a:t>
+            </a:r>
+          </a:p>
+          <a:p>
+            <a:pPr lvl="3"/>
+            <a:r>
+              <a:rPr lang="hu-HU"/>
+              <a:t>Negyedik szint</a:t>
+            </a:r>
+          </a:p>
+          <a:p>
+            <a:pPr lvl="4"/>
+            <a:r>
+              <a:rPr lang="hu-HU"/>
+              <a:t>Ötödik szint</a:t>
+            </a:r>
+          </a:p>
+        </p:txBody>
+      </p:sp>
+      <p:sp>
+        <p:nvSpPr>
+          <p:cNvPr id="6" name="Élőláb helye 5"/>
+          <p:cNvSpPr>
+            <a:spLocks noGrp="1"/>
+          </p:cNvSpPr>
+          <p:nvPr>
+            <p:ph type="ftr" sz="quarter" idx="4"/>
+          </p:nvPr>
+        </p:nvSpPr>
+        <p:spPr>
+          <a:xfrm>
+            <a:off x="0" y="8685213"/>
+            <a:ext cx="2971800" cy="458787"/>
+          </a:xfrm>
+          <a:prstGeom prst="rect">
+            <a:avLst/>
+          </a:prstGeom>
+        </p:spPr>
+        <p:txBody>
+          <a:bodyPr vert="horz" lIns="91440" tIns="45720" rIns="91440" bIns="45720" rtlCol="0" anchor="b"/>
+          <a:lstStyle>
+            <a:lvl1pPr algn="l">
+              <a:defRPr sz="1200"/>
+            </a:lvl1pPr>
+          </a:lstStyle>
+          <a:p>
+            <a:endParaRPr lang="hu-HU"/>
+          </a:p>
+        </p:txBody>
+      </p:sp>
+      <p:sp>
+        <p:nvSpPr>
+          <p:cNvPr id="7" name="Dia számának helye 6"/>
+          <p:cNvSpPr>
+            <a:spLocks noGrp="1"/>
+          </p:cNvSpPr>
+          <p:nvPr>
+            <p:ph type="sldNum" sz="quarter" idx="5"/>
+          </p:nvPr>
+        </p:nvSpPr>
+        <p:spPr>
+          <a:xfrm>
+            <a:off x="3884613" y="8685213"/>
+            <a:ext cx="2971800" cy="458787"/>
+          </a:xfrm>
+          <a:prstGeom prst="rect">
+            <a:avLst/>
+          </a:prstGeom>
+        </p:spPr>
+        <p:txBody>
+          <a:bodyPr vert="horz" lIns="91440" tIns="45720" rIns="91440" bIns="45720" rtlCol="0" anchor="b"/>
+          <a:lstStyle>
+            <a:lvl1pPr algn="r">
+              <a:defRPr sz="1200"/>
+            </a:lvl1pPr>
+          </a:lstStyle>
+          <a:p>
+            <a:fld id="{61980A5F-3BB7-4FE6-97F0-A7EB0EC69581}" type="slidenum">
+              <a:rPr lang="hu-HU" smtClean="0"/>
+              <a:t>‹#›</a:t>
+            </a:fld>
+            <a:endParaRPr lang="hu-HU"/>
+          </a:p>
+        </p:txBody>
+      </p:sp>
+    </p:spTree>
+    <p:extLst>
+      <p:ext uri="{BB962C8B-B14F-4D97-AF65-F5344CB8AC3E}">
+        <p14:creationId xmlns:p14="http://schemas.microsoft.com/office/powerpoint/2010/main" val="1674866299"/>
+      </p:ext>
+    </p:extLst>
+  </p:cSld>
+  <p:clrMap bg1="lt1" tx1="dk1" bg2="lt2" tx2="dk2" accent1="accent1" accent2="accent2" accent3="accent3" accent4="accent4" accent5="accent5" accent6="accent6" hlink="hlink" folHlink="folHlink"/>
+  <p:notesStyle>
+    <a:lvl1pPr marL="0" algn="l" defTabSz="914400" rtl="0" eaLnBrk="1" latinLnBrk="0" hangingPunct="1">
+      <a:defRPr sz="1200" kern="1200">
+        <a:solidFill>
+          <a:schemeClr val="tx1"/>
+        </a:solidFill>
+        <a:latin typeface="+mn-lt"/>
+        <a:ea typeface="+mn-ea"/>
+        <a:cs typeface="+mn-cs"/>
+      </a:defRPr>
+    </a:lvl1pPr>
+    <a:lvl2pPr marL="457200" algn="l" defTabSz="914400" rtl="0" eaLnBrk="1" latinLnBrk="0" hangingPunct="1">
+      <a:defRPr sz="1200" kern="1200">
+        <a:solidFill>
+          <a:schemeClr val="tx1"/>
+        </a:solidFill>
+        <a:latin typeface="+mn-lt"/>
+        <a:ea typeface="+mn-ea"/>
+        <a:cs typeface="+mn-cs"/>
+      </a:defRPr>
+    </a:lvl2pPr>
+    <a:lvl3pPr marL="914400" algn="l" defTabSz="914400" rtl="0" eaLnBrk="1" latinLnBrk="0" hangingPunct="1">
+      <a:defRPr sz="1200" kern="1200">
+        <a:solidFill>
+          <a:schemeClr val="tx1"/>
+        </a:solidFill>
+        <a:latin typeface="+mn-lt"/>
+        <a:ea typeface="+mn-ea"/>
+        <a:cs typeface="+mn-cs"/>
+      </a:defRPr>
+    </a:lvl3pPr>
+    <a:lvl4pPr marL="1371600" algn="l" defTabSz="914400" rtl="0" eaLnBrk="1" latinLnBrk="0" hangingPunct="1">
+      <a:defRPr sz="1200" kern="1200">
+        <a:solidFill>
+          <a:schemeClr val="tx1"/>
+        </a:solidFill>
+        <a:latin typeface="+mn-lt"/>
+        <a:ea typeface="+mn-ea"/>
+        <a:cs typeface="+mn-cs"/>
+      </a:defRPr>
+    </a:lvl4pPr>
+    <a:lvl5pPr marL="1828800" algn="l" defTabSz="914400" rtl="0" eaLnBrk="1" latinLnBrk="0" hangingPunct="1">
+      <a:defRPr sz="1200" kern="1200">
+        <a:solidFill>
+          <a:schemeClr val="tx1"/>
+        </a:solidFill>
+        <a:latin typeface="+mn-lt"/>
+        <a:ea typeface="+mn-ea"/>
+        <a:cs typeface="+mn-cs"/>
+      </a:defRPr>
+    </a:lvl5pPr>
+    <a:lvl6pPr marL="2286000" algn="l" defTabSz="914400" rtl="0" eaLnBrk="1" latinLnBrk="0" hangingPunct="1">
+      <a:defRPr sz="1200" kern="1200">
+        <a:solidFill>
+          <a:schemeClr val="tx1"/>
+        </a:solidFill>
+        <a:latin typeface="+mn-lt"/>
+        <a:ea typeface="+mn-ea"/>
+        <a:cs typeface="+mn-cs"/>
+      </a:defRPr>
+    </a:lvl6pPr>
+    <a:lvl7pPr marL="2743200" algn="l" defTabSz="914400" rtl="0" eaLnBrk="1" latinLnBrk="0" hangingPunct="1">
+      <a:defRPr sz="1200" kern="1200">
+        <a:solidFill>
+          <a:schemeClr val="tx1"/>
+        </a:solidFill>
+        <a:latin typeface="+mn-lt"/>
+        <a:ea typeface="+mn-ea"/>
+        <a:cs typeface="+mn-cs"/>
+      </a:defRPr>
+    </a:lvl7pPr>
+    <a:lvl8pPr marL="3200400" algn="l" defTabSz="914400" rtl="0" eaLnBrk="1" latinLnBrk="0" hangingPunct="1">
+      <a:defRPr sz="1200" kern="1200">
+        <a:solidFill>
+          <a:schemeClr val="tx1"/>
+        </a:solidFill>
+        <a:latin typeface="+mn-lt"/>
+        <a:ea typeface="+mn-ea"/>
+        <a:cs typeface="+mn-cs"/>
+      </a:defRPr>
+    </a:lvl8pPr>
+    <a:lvl9pPr marL="3657600" algn="l" defTabSz="914400" rtl="0" eaLnBrk="1" latinLnBrk="0" hangingPunct="1">
+      <a:defRPr sz="1200" kern="1200">
+        <a:solidFill>
+          <a:schemeClr val="tx1"/>
+        </a:solidFill>
+        <a:latin typeface="+mn-lt"/>
+        <a:ea typeface="+mn-ea"/>
+        <a:cs typeface="+mn-cs"/>
+      </a:defRPr>
+    </a:lvl9pPr>
+  </p:notesStyle>
+</p:notesMaster>
+</file>
+
+<file path=ppt/notesSlides/notesSlide1.xml><?xml version="1.0" encoding="utf-8"?>
+<p:notes xmlns:a="http://schemas.openxmlformats.org/drawingml/2006/main" xmlns:r="http://schemas.openxmlformats.org/officeDocument/2006/relationships" xmlns:p="http://schemas.openxmlformats.org/presentationml/2006/main">
+  <p:cSld>
+    <p:spTree>
+      <p:nvGrpSpPr>
+        <p:cNvPr id="1" name=""/>
+        <p:cNvGrpSpPr/>
+        <p:nvPr/>
+      </p:nvGrpSpPr>
+      <p:grpSpPr>
+        <a:xfrm>
+          <a:off x="0" y="0"/>
+          <a:ext cx="0" cy="0"/>
+          <a:chOff x="0" y="0"/>
+          <a:chExt cx="0" cy="0"/>
+        </a:xfrm>
+      </p:grpSpPr>
+      <p:sp>
+        <p:nvSpPr>
+          <p:cNvPr id="2" name="Diakép helye 1"/>
+          <p:cNvSpPr>
+            <a:spLocks noGrp="1" noRot="1" noChangeAspect="1"/>
+          </p:cNvSpPr>
+          <p:nvPr>
+            <p:ph type="sldImg"/>
+          </p:nvPr>
+        </p:nvSpPr>
+        <p:spPr/>
+      </p:sp>
+      <p:sp>
+        <p:nvSpPr>
+          <p:cNvPr id="3" name="Jegyzetek helye 2"/>
+          <p:cNvSpPr>
+            <a:spLocks noGrp="1"/>
+          </p:cNvSpPr>
+          <p:nvPr>
+            <p:ph type="body" idx="1"/>
+          </p:nvPr>
+        </p:nvSpPr>
+        <p:spPr/>
+        <p:txBody>
+          <a:bodyPr/>
+          <a:lstStyle/>
+          <a:p>
+            <a:endParaRPr lang="hu-HU" dirty="0"/>
+          </a:p>
+        </p:txBody>
+      </p:sp>
+      <p:sp>
+        <p:nvSpPr>
+          <p:cNvPr id="4" name="Dia számának helye 3"/>
+          <p:cNvSpPr>
+            <a:spLocks noGrp="1"/>
+          </p:cNvSpPr>
+          <p:nvPr>
+            <p:ph type="sldNum" sz="quarter" idx="5"/>
+          </p:nvPr>
+        </p:nvSpPr>
+        <p:spPr/>
+        <p:txBody>
+          <a:bodyPr/>
+          <a:lstStyle/>
+          <a:p>
+            <a:fld id="{61980A5F-3BB7-4FE6-97F0-A7EB0EC69581}" type="slidenum">
+              <a:rPr lang="hu-HU" smtClean="0"/>
+              <a:t>10</a:t>
+            </a:fld>
+            <a:endParaRPr lang="hu-HU"/>
+          </a:p>
+        </p:txBody>
+      </p:sp>
+    </p:spTree>
+    <p:extLst>
+      <p:ext uri="{BB962C8B-B14F-4D97-AF65-F5344CB8AC3E}">
+        <p14:creationId xmlns:p14="http://schemas.microsoft.com/office/powerpoint/2010/main" val="1456943947"/>
+      </p:ext>
+    </p:extLst>
+  </p:cSld>
+  <p:clrMapOvr>
+    <a:masterClrMapping/>
+  </p:clrMapOvr>
+</p:notes>
 </file>
 
 <file path=ppt/slideLayouts/slideLayout1.xml><?xml version="1.0" encoding="utf-8"?>
@@ -263,7 +704,7 @@
           <a:p>
             <a:fld id="{58F88C6B-C4F9-468D-AACA-5573DD50F585}" type="datetimeFigureOut">
               <a:rPr lang="hu-HU" smtClean="0"/>
-              <a:t>2023. 12. 13.</a:t>
+              <a:t>2023. 12. 16.</a:t>
             </a:fld>
             <a:endParaRPr lang="hu-HU"/>
           </a:p>
@@ -461,7 +902,7 @@
           <a:p>
             <a:fld id="{58F88C6B-C4F9-468D-AACA-5573DD50F585}" type="datetimeFigureOut">
               <a:rPr lang="hu-HU" smtClean="0"/>
-              <a:t>2023. 12. 13.</a:t>
+              <a:t>2023. 12. 16.</a:t>
             </a:fld>
             <a:endParaRPr lang="hu-HU"/>
           </a:p>
@@ -669,7 +1110,7 @@
           <a:p>
             <a:fld id="{58F88C6B-C4F9-468D-AACA-5573DD50F585}" type="datetimeFigureOut">
               <a:rPr lang="hu-HU" smtClean="0"/>
-              <a:t>2023. 12. 13.</a:t>
+              <a:t>2023. 12. 16.</a:t>
             </a:fld>
             <a:endParaRPr lang="hu-HU"/>
           </a:p>
@@ -867,7 +1308,7 @@
           <a:p>
             <a:fld id="{58F88C6B-C4F9-468D-AACA-5573DD50F585}" type="datetimeFigureOut">
               <a:rPr lang="hu-HU" smtClean="0"/>
-              <a:t>2023. 12. 13.</a:t>
+              <a:t>2023. 12. 16.</a:t>
             </a:fld>
             <a:endParaRPr lang="hu-HU"/>
           </a:p>
@@ -1142,7 +1583,7 @@
           <a:p>
             <a:fld id="{58F88C6B-C4F9-468D-AACA-5573DD50F585}" type="datetimeFigureOut">
               <a:rPr lang="hu-HU" smtClean="0"/>
-              <a:t>2023. 12. 13.</a:t>
+              <a:t>2023. 12. 16.</a:t>
             </a:fld>
             <a:endParaRPr lang="hu-HU"/>
           </a:p>
@@ -1407,7 +1848,7 @@
           <a:p>
             <a:fld id="{58F88C6B-C4F9-468D-AACA-5573DD50F585}" type="datetimeFigureOut">
               <a:rPr lang="hu-HU" smtClean="0"/>
-              <a:t>2023. 12. 13.</a:t>
+              <a:t>2023. 12. 16.</a:t>
             </a:fld>
             <a:endParaRPr lang="hu-HU"/>
           </a:p>
@@ -1819,7 +2260,7 @@
           <a:p>
             <a:fld id="{58F88C6B-C4F9-468D-AACA-5573DD50F585}" type="datetimeFigureOut">
               <a:rPr lang="hu-HU" smtClean="0"/>
-              <a:t>2023. 12. 13.</a:t>
+              <a:t>2023. 12. 16.</a:t>
             </a:fld>
             <a:endParaRPr lang="hu-HU"/>
           </a:p>
@@ -1960,7 +2401,7 @@
           <a:p>
             <a:fld id="{58F88C6B-C4F9-468D-AACA-5573DD50F585}" type="datetimeFigureOut">
               <a:rPr lang="hu-HU" smtClean="0"/>
-              <a:t>2023. 12. 13.</a:t>
+              <a:t>2023. 12. 16.</a:t>
             </a:fld>
             <a:endParaRPr lang="hu-HU"/>
           </a:p>
@@ -2073,7 +2514,7 @@
           <a:p>
             <a:fld id="{58F88C6B-C4F9-468D-AACA-5573DD50F585}" type="datetimeFigureOut">
               <a:rPr lang="hu-HU" smtClean="0"/>
-              <a:t>2023. 12. 13.</a:t>
+              <a:t>2023. 12. 16.</a:t>
             </a:fld>
             <a:endParaRPr lang="hu-HU"/>
           </a:p>
@@ -2384,7 +2825,7 @@
           <a:p>
             <a:fld id="{58F88C6B-C4F9-468D-AACA-5573DD50F585}" type="datetimeFigureOut">
               <a:rPr lang="hu-HU" smtClean="0"/>
-              <a:t>2023. 12. 13.</a:t>
+              <a:t>2023. 12. 16.</a:t>
             </a:fld>
             <a:endParaRPr lang="hu-HU"/>
           </a:p>
@@ -2672,7 +3113,7 @@
           <a:p>
             <a:fld id="{58F88C6B-C4F9-468D-AACA-5573DD50F585}" type="datetimeFigureOut">
               <a:rPr lang="hu-HU" smtClean="0"/>
-              <a:t>2023. 12. 13.</a:t>
+              <a:t>2023. 12. 16.</a:t>
             </a:fld>
             <a:endParaRPr lang="hu-HU"/>
           </a:p>
@@ -2913,7 +3354,7 @@
           <a:p>
             <a:fld id="{58F88C6B-C4F9-468D-AACA-5573DD50F585}" type="datetimeFigureOut">
               <a:rPr lang="hu-HU" smtClean="0"/>
-              <a:t>2023. 12. 13.</a:t>
+              <a:t>2023. 12. 16.</a:t>
             </a:fld>
             <a:endParaRPr lang="hu-HU"/>
           </a:p>
@@ -3324,6 +3765,126 @@
           </a:blip>
           <a:srcRect/>
           <a:stretch>
+            <a:fillRect t="-9000" b="-9000"/>
+          </a:stretch>
+        </a:blipFill>
+        <a:effectLst/>
+      </p:bgPr>
+    </p:bg>
+    <p:spTree>
+      <p:nvGrpSpPr>
+        <p:cNvPr id="1" name=""/>
+        <p:cNvGrpSpPr/>
+        <p:nvPr/>
+      </p:nvGrpSpPr>
+      <p:grpSpPr>
+        <a:xfrm>
+          <a:off x="0" y="0"/>
+          <a:ext cx="0" cy="0"/>
+          <a:chOff x="0" y="0"/>
+          <a:chExt cx="0" cy="0"/>
+        </a:xfrm>
+      </p:grpSpPr>
+      <p:sp>
+        <p:nvSpPr>
+          <p:cNvPr id="2" name="Cím 1">
+            <a:extLst>
+              <a:ext uri="{FF2B5EF4-FFF2-40B4-BE49-F238E27FC236}">
+                <a16:creationId xmlns:a16="http://schemas.microsoft.com/office/drawing/2014/main" id="{5A14F416-2240-4BB8-BEC9-0D85C2C281B0}"/>
+              </a:ext>
+            </a:extLst>
+          </p:cNvPr>
+          <p:cNvSpPr>
+            <a:spLocks noGrp="1"/>
+          </p:cNvSpPr>
+          <p:nvPr>
+            <p:ph type="ctrTitle"/>
+          </p:nvPr>
+        </p:nvSpPr>
+        <p:spPr/>
+        <p:txBody>
+          <a:bodyPr/>
+          <a:lstStyle/>
+          <a:p>
+            <a:r>
+              <a:rPr lang="hu-HU" dirty="0"/>
+              <a:t>Projekttervezés</a:t>
+            </a:r>
+          </a:p>
+        </p:txBody>
+      </p:sp>
+      <p:sp>
+        <p:nvSpPr>
+          <p:cNvPr id="3" name="Alcím 2">
+            <a:extLst>
+              <a:ext uri="{FF2B5EF4-FFF2-40B4-BE49-F238E27FC236}">
+                <a16:creationId xmlns:a16="http://schemas.microsoft.com/office/drawing/2014/main" id="{39476E24-C4A6-46C9-B67A-AAABEF47C99C}"/>
+              </a:ext>
+            </a:extLst>
+          </p:cNvPr>
+          <p:cNvSpPr>
+            <a:spLocks noGrp="1"/>
+          </p:cNvSpPr>
+          <p:nvPr>
+            <p:ph type="subTitle" idx="1"/>
+          </p:nvPr>
+        </p:nvSpPr>
+        <p:spPr/>
+        <p:txBody>
+          <a:bodyPr/>
+          <a:lstStyle/>
+          <a:p>
+            <a:r>
+              <a:rPr lang="hu-HU" dirty="0"/>
+              <a:t>Készítette: Korsós Renáta és </a:t>
+            </a:r>
+            <a:r>
+              <a:rPr lang="hu-HU" dirty="0" err="1"/>
+              <a:t>Draganics</a:t>
+            </a:r>
+            <a:r>
+              <a:rPr lang="hu-HU" dirty="0"/>
+              <a:t> Dóra</a:t>
+            </a:r>
+          </a:p>
+        </p:txBody>
+      </p:sp>
+    </p:spTree>
+    <p:extLst>
+      <p:ext uri="{BB962C8B-B14F-4D97-AF65-F5344CB8AC3E}">
+        <p14:creationId xmlns:p14="http://schemas.microsoft.com/office/powerpoint/2010/main" val="4230569932"/>
+      </p:ext>
+    </p:extLst>
+  </p:cSld>
+  <p:clrMapOvr>
+    <a:masterClrMapping/>
+  </p:clrMapOvr>
+  <mc:AlternateContent xmlns:mc="http://schemas.openxmlformats.org/markup-compatibility/2006">
+    <mc:Choice xmlns:p15="http://schemas.microsoft.com/office/powerpoint/2012/main" Requires="p15">
+      <p:transition xmlns:p14="http://schemas.microsoft.com/office/powerpoint/2010/main" spd="slow" p14:dur="6000">
+        <p15:prstTrans prst="curtains"/>
+      </p:transition>
+    </mc:Choice>
+    <mc:Fallback>
+      <p:transition spd="slow">
+        <p:fade/>
+      </p:transition>
+    </mc:Fallback>
+  </mc:AlternateContent>
+</p:sld>
+</file>
+
+<file path=ppt/slides/slide10.xml><?xml version="1.0" encoding="utf-8"?>
+<p:sld xmlns:a="http://schemas.openxmlformats.org/drawingml/2006/main" xmlns:r="http://schemas.openxmlformats.org/officeDocument/2006/relationships" xmlns:p="http://schemas.openxmlformats.org/presentationml/2006/main">
+  <p:cSld>
+    <p:bg>
+      <p:bgPr>
+        <a:blipFill dpi="0" rotWithShape="1">
+          <a:blip r:embed="rId3">
+            <a:lum/>
+          </a:blip>
+          <a:srcRect/>
+          <a:stretch>
             <a:fillRect/>
           </a:stretch>
         </a:blipFill>
@@ -3349,100 +3910,6 @@
           <p:cNvPr id="2" name="Cím 1">
             <a:extLst>
               <a:ext uri="{FF2B5EF4-FFF2-40B4-BE49-F238E27FC236}">
-                <a16:creationId xmlns:a16="http://schemas.microsoft.com/office/drawing/2014/main" id="{5A14F416-2240-4BB8-BEC9-0D85C2C281B0}"/>
-              </a:ext>
-            </a:extLst>
-          </p:cNvPr>
-          <p:cNvSpPr>
-            <a:spLocks noGrp="1"/>
-          </p:cNvSpPr>
-          <p:nvPr>
-            <p:ph type="ctrTitle"/>
-          </p:nvPr>
-        </p:nvSpPr>
-        <p:spPr/>
-        <p:txBody>
-          <a:bodyPr/>
-          <a:lstStyle/>
-          <a:p>
-            <a:r>
-              <a:rPr lang="hu-HU" dirty="0"/>
-              <a:t>Projekttervezés</a:t>
-            </a:r>
-          </a:p>
-        </p:txBody>
-      </p:sp>
-      <p:sp>
-        <p:nvSpPr>
-          <p:cNvPr id="3" name="Alcím 2">
-            <a:extLst>
-              <a:ext uri="{FF2B5EF4-FFF2-40B4-BE49-F238E27FC236}">
-                <a16:creationId xmlns:a16="http://schemas.microsoft.com/office/drawing/2014/main" id="{39476E24-C4A6-46C9-B67A-AAABEF47C99C}"/>
-              </a:ext>
-            </a:extLst>
-          </p:cNvPr>
-          <p:cNvSpPr>
-            <a:spLocks noGrp="1"/>
-          </p:cNvSpPr>
-          <p:nvPr>
-            <p:ph type="subTitle" idx="1"/>
-          </p:nvPr>
-        </p:nvSpPr>
-        <p:spPr/>
-        <p:txBody>
-          <a:bodyPr/>
-          <a:lstStyle/>
-          <a:p>
-            <a:r>
-              <a:rPr lang="hu-HU" dirty="0"/>
-              <a:t>Készítette: Korsós Renáta és </a:t>
-            </a:r>
-            <a:r>
-              <a:rPr lang="hu-HU" dirty="0" err="1"/>
-              <a:t>Draganics</a:t>
-            </a:r>
-            <a:r>
-              <a:rPr lang="hu-HU" dirty="0"/>
-              <a:t> Dóra</a:t>
-            </a:r>
-          </a:p>
-        </p:txBody>
-      </p:sp>
-    </p:spTree>
-    <p:extLst>
-      <p:ext uri="{BB962C8B-B14F-4D97-AF65-F5344CB8AC3E}">
-        <p14:creationId xmlns:p14="http://schemas.microsoft.com/office/powerpoint/2010/main" val="4230569932"/>
-      </p:ext>
-    </p:extLst>
-  </p:cSld>
-  <p:clrMapOvr>
-    <a:masterClrMapping/>
-  </p:clrMapOvr>
-</p:sld>
-</file>
-
-<file path=ppt/slides/slide10.xml><?xml version="1.0" encoding="utf-8"?>
-<p:sld xmlns:a="http://schemas.openxmlformats.org/drawingml/2006/main" xmlns:r="http://schemas.openxmlformats.org/officeDocument/2006/relationships" xmlns:p="http://schemas.openxmlformats.org/presentationml/2006/main">
-  <p:cSld>
-    <p:spTree>
-      <p:nvGrpSpPr>
-        <p:cNvPr id="1" name=""/>
-        <p:cNvGrpSpPr/>
-        <p:nvPr/>
-      </p:nvGrpSpPr>
-      <p:grpSpPr>
-        <a:xfrm>
-          <a:off x="0" y="0"/>
-          <a:ext cx="0" cy="0"/>
-          <a:chOff x="0" y="0"/>
-          <a:chExt cx="0" cy="0"/>
-        </a:xfrm>
-      </p:grpSpPr>
-      <p:sp>
-        <p:nvSpPr>
-          <p:cNvPr id="2" name="Cím 1">
-            <a:extLst>
-              <a:ext uri="{FF2B5EF4-FFF2-40B4-BE49-F238E27FC236}">
                 <a16:creationId xmlns:a16="http://schemas.microsoft.com/office/drawing/2014/main" id="{A4C8D59A-3CF4-462F-91F8-8DEE9F0B0460}"/>
               </a:ext>
             </a:extLst>
@@ -3456,7 +3923,7 @@
         </p:nvSpPr>
         <p:spPr>
           <a:xfrm>
-            <a:off x="714375" y="2766218"/>
+            <a:off x="949507" y="2348207"/>
             <a:ext cx="10515600" cy="1325563"/>
           </a:xfrm>
         </p:spPr>
@@ -3466,7 +3933,11 @@
           <a:p>
             <a:pPr algn="ctr"/>
             <a:r>
-              <a:rPr lang="hu-HU" dirty="0"/>
+              <a:rPr lang="hu-HU" b="1" dirty="0">
+                <a:solidFill>
+                  <a:schemeClr val="bg1"/>
+                </a:solidFill>
+              </a:rPr>
               <a:t>Köszönjük a figyelmet!</a:t>
             </a:r>
           </a:p>
@@ -3482,244 +3953,22 @@
   <p:clrMapOvr>
     <a:masterClrMapping/>
   </p:clrMapOvr>
+  <mc:AlternateContent xmlns:mc="http://schemas.openxmlformats.org/markup-compatibility/2006">
+    <mc:Choice xmlns:p15="http://schemas.microsoft.com/office/powerpoint/2012/main" Requires="p15">
+      <p:transition xmlns:p14="http://schemas.microsoft.com/office/powerpoint/2010/main" spd="slow" p14:dur="3250">
+        <p15:prstTrans prst="origami"/>
+      </p:transition>
+    </mc:Choice>
+    <mc:Fallback>
+      <p:transition spd="slow">
+        <p:fade/>
+      </p:transition>
+    </mc:Fallback>
+  </mc:AlternateContent>
 </p:sld>
 </file>
 
 <file path=ppt/slides/slide2.xml><?xml version="1.0" encoding="utf-8"?>
-<p:sld xmlns:a="http://schemas.openxmlformats.org/drawingml/2006/main" xmlns:r="http://schemas.openxmlformats.org/officeDocument/2006/relationships" xmlns:p="http://schemas.openxmlformats.org/presentationml/2006/main">
-  <p:cSld>
-    <p:bg>
-      <p:bgPr>
-        <a:blipFill dpi="0" rotWithShape="1">
-          <a:blip r:embed="rId2">
-            <a:lum/>
-          </a:blip>
-          <a:srcRect/>
-          <a:stretch>
-            <a:fillRect t="-39000" b="-39000"/>
-          </a:stretch>
-        </a:blipFill>
-        <a:effectLst/>
-      </p:bgPr>
-    </p:bg>
-    <p:spTree>
-      <p:nvGrpSpPr>
-        <p:cNvPr id="1" name=""/>
-        <p:cNvGrpSpPr/>
-        <p:nvPr/>
-      </p:nvGrpSpPr>
-      <p:grpSpPr>
-        <a:xfrm>
-          <a:off x="0" y="0"/>
-          <a:ext cx="0" cy="0"/>
-          <a:chOff x="0" y="0"/>
-          <a:chExt cx="0" cy="0"/>
-        </a:xfrm>
-      </p:grpSpPr>
-      <p:sp>
-        <p:nvSpPr>
-          <p:cNvPr id="2" name="Cím 1">
-            <a:extLst>
-              <a:ext uri="{FF2B5EF4-FFF2-40B4-BE49-F238E27FC236}">
-                <a16:creationId xmlns:a16="http://schemas.microsoft.com/office/drawing/2014/main" id="{5E149C69-2EE4-4526-9271-0A6BD370439C}"/>
-              </a:ext>
-            </a:extLst>
-          </p:cNvPr>
-          <p:cNvSpPr>
-            <a:spLocks noGrp="1"/>
-          </p:cNvSpPr>
-          <p:nvPr>
-            <p:ph type="title"/>
-          </p:nvPr>
-        </p:nvSpPr>
-        <p:spPr/>
-        <p:txBody>
-          <a:bodyPr/>
-          <a:lstStyle/>
-          <a:p>
-            <a:r>
-              <a:rPr lang="hu-HU" b="1" dirty="0"/>
-              <a:t>Mi a Projekt?</a:t>
-            </a:r>
-          </a:p>
-        </p:txBody>
-      </p:sp>
-      <p:sp>
-        <p:nvSpPr>
-          <p:cNvPr id="3" name="Tartalom helye 2">
-            <a:extLst>
-              <a:ext uri="{FF2B5EF4-FFF2-40B4-BE49-F238E27FC236}">
-                <a16:creationId xmlns:a16="http://schemas.microsoft.com/office/drawing/2014/main" id="{66EDF03C-2C01-43DC-9F74-FA6756F16E33}"/>
-              </a:ext>
-            </a:extLst>
-          </p:cNvPr>
-          <p:cNvSpPr>
-            <a:spLocks noGrp="1"/>
-          </p:cNvSpPr>
-          <p:nvPr>
-            <p:ph idx="1"/>
-          </p:nvPr>
-        </p:nvSpPr>
-        <p:spPr>
-          <a:xfrm>
-            <a:off x="838200" y="1825625"/>
-            <a:ext cx="5176706" cy="4351338"/>
-          </a:xfrm>
-        </p:spPr>
-        <p:txBody>
-          <a:bodyPr/>
-          <a:lstStyle/>
-          <a:p>
-            <a:r>
-              <a:rPr lang="hu-HU" dirty="0"/>
-              <a:t>Közös projekteket már az őskor óta végzünk </a:t>
-            </a:r>
-            <a:r>
-              <a:rPr lang="hu-HU" dirty="0" err="1"/>
-              <a:t>pl</a:t>
-            </a:r>
-            <a:r>
-              <a:rPr lang="hu-HU" dirty="0"/>
-              <a:t>: a vadászatban és annak feldolgozásában</a:t>
-            </a:r>
-          </a:p>
-          <a:p>
-            <a:r>
-              <a:rPr lang="hu-HU" dirty="0"/>
-              <a:t>A projektek lényege hogy valami új terméket hozzunk létre</a:t>
-            </a:r>
-          </a:p>
-          <a:p>
-            <a:endParaRPr lang="hu-HU" dirty="0"/>
-          </a:p>
-        </p:txBody>
-      </p:sp>
-    </p:spTree>
-    <p:extLst>
-      <p:ext uri="{BB962C8B-B14F-4D97-AF65-F5344CB8AC3E}">
-        <p14:creationId xmlns:p14="http://schemas.microsoft.com/office/powerpoint/2010/main" val="3583943208"/>
-      </p:ext>
-    </p:extLst>
-  </p:cSld>
-  <p:clrMapOvr>
-    <a:masterClrMapping/>
-  </p:clrMapOvr>
-</p:sld>
-</file>
-
-<file path=ppt/slides/slide3.xml><?xml version="1.0" encoding="utf-8"?>
-<p:sld xmlns:a="http://schemas.openxmlformats.org/drawingml/2006/main" xmlns:r="http://schemas.openxmlformats.org/officeDocument/2006/relationships" xmlns:p="http://schemas.openxmlformats.org/presentationml/2006/main">
-  <p:cSld>
-    <p:bg>
-      <p:bgPr>
-        <a:blipFill dpi="0" rotWithShape="1">
-          <a:blip r:embed="rId2">
-            <a:lum/>
-          </a:blip>
-          <a:srcRect/>
-          <a:stretch>
-            <a:fillRect t="-18000" b="-18000"/>
-          </a:stretch>
-        </a:blipFill>
-        <a:effectLst/>
-      </p:bgPr>
-    </p:bg>
-    <p:spTree>
-      <p:nvGrpSpPr>
-        <p:cNvPr id="1" name=""/>
-        <p:cNvGrpSpPr/>
-        <p:nvPr/>
-      </p:nvGrpSpPr>
-      <p:grpSpPr>
-        <a:xfrm>
-          <a:off x="0" y="0"/>
-          <a:ext cx="0" cy="0"/>
-          <a:chOff x="0" y="0"/>
-          <a:chExt cx="0" cy="0"/>
-        </a:xfrm>
-      </p:grpSpPr>
-      <p:sp>
-        <p:nvSpPr>
-          <p:cNvPr id="2" name="Cím 1">
-            <a:extLst>
-              <a:ext uri="{FF2B5EF4-FFF2-40B4-BE49-F238E27FC236}">
-                <a16:creationId xmlns:a16="http://schemas.microsoft.com/office/drawing/2014/main" id="{B71CC7B3-7103-444B-A935-9FC5A6A53BC5}"/>
-              </a:ext>
-            </a:extLst>
-          </p:cNvPr>
-          <p:cNvSpPr>
-            <a:spLocks noGrp="1"/>
-          </p:cNvSpPr>
-          <p:nvPr>
-            <p:ph type="title"/>
-          </p:nvPr>
-        </p:nvSpPr>
-        <p:spPr/>
-        <p:txBody>
-          <a:bodyPr/>
-          <a:lstStyle/>
-          <a:p>
-            <a:r>
-              <a:rPr lang="hu-HU" dirty="0"/>
-              <a:t>Szakmai információtartalom</a:t>
-            </a:r>
-          </a:p>
-        </p:txBody>
-      </p:sp>
-      <p:sp>
-        <p:nvSpPr>
-          <p:cNvPr id="3" name="Tartalom helye 2">
-            <a:extLst>
-              <a:ext uri="{FF2B5EF4-FFF2-40B4-BE49-F238E27FC236}">
-                <a16:creationId xmlns:a16="http://schemas.microsoft.com/office/drawing/2014/main" id="{F1E6BA45-C335-43D4-8BF6-3A9AE867087A}"/>
-              </a:ext>
-            </a:extLst>
-          </p:cNvPr>
-          <p:cNvSpPr>
-            <a:spLocks noGrp="1"/>
-          </p:cNvSpPr>
-          <p:nvPr>
-            <p:ph idx="1"/>
-          </p:nvPr>
-        </p:nvSpPr>
-        <p:spPr/>
-        <p:txBody>
-          <a:bodyPr/>
-          <a:lstStyle/>
-          <a:p>
-            <a:r>
-              <a:rPr lang="hu-HU" dirty="0"/>
-              <a:t>Egy projektnek meghatározott célja van, határidő költség és erőforrás. </a:t>
-            </a:r>
-          </a:p>
-          <a:p>
-            <a:r>
-              <a:rPr lang="hu-HU" dirty="0"/>
-              <a:t>A projektkének van megadott kezdete és befejezése alapos tervezés.</a:t>
-            </a:r>
-          </a:p>
-          <a:p>
-            <a:r>
-              <a:rPr lang="hu-HU" dirty="0"/>
-              <a:t>A projekt sikerének titka a három tényező egyensúlya és folyamatos kommunikáció</a:t>
-            </a:r>
-          </a:p>
-        </p:txBody>
-      </p:sp>
-    </p:spTree>
-    <p:extLst>
-      <p:ext uri="{BB962C8B-B14F-4D97-AF65-F5344CB8AC3E}">
-        <p14:creationId xmlns:p14="http://schemas.microsoft.com/office/powerpoint/2010/main" val="318376724"/>
-      </p:ext>
-    </p:extLst>
-  </p:cSld>
-  <p:clrMapOvr>
-    <a:masterClrMapping/>
-  </p:clrMapOvr>
-</p:sld>
-</file>
-
-<file path=ppt/slides/slide4.xml><?xml version="1.0" encoding="utf-8"?>
 <p:sld xmlns:a="http://schemas.openxmlformats.org/drawingml/2006/main" xmlns:r="http://schemas.openxmlformats.org/officeDocument/2006/relationships" xmlns:p="http://schemas.openxmlformats.org/presentationml/2006/main">
   <p:cSld>
     <p:bg>
@@ -3755,7 +4004,7 @@
           <p:cNvPr id="2" name="Cím 1">
             <a:extLst>
               <a:ext uri="{FF2B5EF4-FFF2-40B4-BE49-F238E27FC236}">
-                <a16:creationId xmlns:a16="http://schemas.microsoft.com/office/drawing/2014/main" id="{9B8B008E-CCBE-452B-A5F7-85CC410796F8}"/>
+                <a16:creationId xmlns:a16="http://schemas.microsoft.com/office/drawing/2014/main" id="{5E149C69-2EE4-4526-9271-0A6BD370439C}"/>
               </a:ext>
             </a:extLst>
           </p:cNvPr>
@@ -3772,8 +4021,12 @@
           <a:lstStyle/>
           <a:p>
             <a:r>
-              <a:rPr lang="hu-HU" dirty="0"/>
-              <a:t>Projektek csoportosítása</a:t>
+              <a:rPr lang="hu-HU" b="1" dirty="0">
+                <a:solidFill>
+                  <a:schemeClr val="bg1"/>
+                </a:solidFill>
+              </a:rPr>
+              <a:t>Mi a Projekt?</a:t>
             </a:r>
           </a:p>
         </p:txBody>
@@ -3783,7 +4036,7 @@
           <p:cNvPr id="3" name="Tartalom helye 2">
             <a:extLst>
               <a:ext uri="{FF2B5EF4-FFF2-40B4-BE49-F238E27FC236}">
-                <a16:creationId xmlns:a16="http://schemas.microsoft.com/office/drawing/2014/main" id="{BBC11967-438A-448F-AC98-8303E0F25EB6}"/>
+                <a16:creationId xmlns:a16="http://schemas.microsoft.com/office/drawing/2014/main" id="{66EDF03C-2C01-43DC-9F74-FA6756F16E33}"/>
               </a:ext>
             </a:extLst>
           </p:cNvPr>
@@ -3794,78 +4047,49 @@
             <p:ph idx="1"/>
           </p:nvPr>
         </p:nvSpPr>
-        <p:spPr/>
-        <p:txBody>
-          <a:bodyPr>
-            <a:normAutofit/>
-          </a:bodyPr>
-          <a:lstStyle/>
-          <a:p>
-            <a:pPr marL="0" indent="0">
-              <a:buNone/>
-            </a:pPr>
-            <a:r>
-              <a:rPr lang="hu-HU" b="1" dirty="0">
-                <a:effectLst/>
+        <p:spPr>
+          <a:xfrm>
+            <a:off x="838200" y="1825625"/>
+            <a:ext cx="5176706" cy="4351338"/>
+          </a:xfrm>
+        </p:spPr>
+        <p:txBody>
+          <a:bodyPr/>
+          <a:lstStyle/>
+          <a:p>
+            <a:r>
+              <a:rPr lang="hu-HU" dirty="0">
+                <a:solidFill>
+                  <a:schemeClr val="bg1"/>
+                </a:solidFill>
               </a:rPr>
-              <a:t>A projekteket többféle módon csoportosíthatjuk</a:t>
-            </a:r>
-          </a:p>
-          <a:p>
+              <a:t>Közös projekteket már az őskor óta végzünk </a:t>
+            </a:r>
+            <a:r>
+              <a:rPr lang="hu-HU" dirty="0" err="1">
+                <a:solidFill>
+                  <a:schemeClr val="bg1"/>
+                </a:solidFill>
+              </a:rPr>
+              <a:t>pl</a:t>
+            </a:r>
             <a:r>
               <a:rPr lang="hu-HU" dirty="0">
-                <a:effectLst/>
+                <a:solidFill>
+                  <a:schemeClr val="bg1"/>
+                </a:solidFill>
               </a:rPr>
-              <a:t>A projektek téma, illetve tartalom alapján lehetnek pl.:</a:t>
+              <a:t>: a vadászatban és annak feldolgozásában</a:t>
             </a:r>
           </a:p>
           <a:p>
             <a:r>
               <a:rPr lang="hu-HU" dirty="0">
-                <a:effectLst/>
+                <a:solidFill>
+                  <a:schemeClr val="bg1"/>
+                </a:solidFill>
               </a:rPr>
-              <a:t>- építési projektek,</a:t>
-            </a:r>
-          </a:p>
-          <a:p>
-            <a:pPr marL="0" indent="0">
-              <a:buNone/>
-            </a:pPr>
-            <a:r>
-              <a:rPr lang="hu-HU" b="1" dirty="0">
-                <a:effectLst/>
-              </a:rPr>
-              <a:t>Időtáv szerint</a:t>
-            </a:r>
-            <a:r>
-              <a:rPr lang="hu-HU" dirty="0">
-                <a:effectLst/>
-              </a:rPr>
-              <a:t>:</a:t>
-            </a:r>
-          </a:p>
-          <a:p>
-            <a:r>
-              <a:rPr lang="hu-HU" dirty="0">
-                <a:effectLst/>
-              </a:rPr>
-              <a:t>- rövid távú projektek,</a:t>
-            </a:r>
-          </a:p>
-          <a:p>
-            <a:r>
-              <a:rPr lang="hu-HU" dirty="0">
-                <a:effectLst/>
-              </a:rPr>
-              <a:t>- középtávú projektek,</a:t>
-            </a:r>
-          </a:p>
-          <a:p>
-            <a:r>
-              <a:rPr lang="hu-HU" dirty="0">
-                <a:effectLst/>
-              </a:rPr>
-              <a:t>- hosszú távú projektek</a:t>
+              <a:t>A projektek lényege hogy valami új terméket hozzunk létre</a:t>
             </a:r>
           </a:p>
           <a:p>
@@ -3876,17 +4100,20 @@
     </p:spTree>
     <p:extLst>
       <p:ext uri="{BB962C8B-B14F-4D97-AF65-F5344CB8AC3E}">
-        <p14:creationId xmlns:p14="http://schemas.microsoft.com/office/powerpoint/2010/main" val="2687675971"/>
+        <p14:creationId xmlns:p14="http://schemas.microsoft.com/office/powerpoint/2010/main" val="3583943208"/>
       </p:ext>
     </p:extLst>
   </p:cSld>
   <p:clrMapOvr>
     <a:masterClrMapping/>
   </p:clrMapOvr>
+  <p:transition spd="slow">
+    <p:randomBar dir="vert"/>
+  </p:transition>
 </p:sld>
 </file>
 
-<file path=ppt/slides/slide5.xml><?xml version="1.0" encoding="utf-8"?>
+<file path=ppt/slides/slide3.xml><?xml version="1.0" encoding="utf-8"?>
 <p:sld xmlns:a="http://schemas.openxmlformats.org/drawingml/2006/main" xmlns:r="http://schemas.openxmlformats.org/officeDocument/2006/relationships" xmlns:p="http://schemas.openxmlformats.org/presentationml/2006/main">
   <p:cSld>
     <p:bg>
@@ -3897,7 +4124,7 @@
           </a:blip>
           <a:srcRect/>
           <a:stretch>
-            <a:fillRect t="-39000" b="-39000"/>
+            <a:fillRect/>
           </a:stretch>
         </a:blipFill>
         <a:effectLst/>
@@ -3922,7 +4149,7 @@
           <p:cNvPr id="2" name="Cím 1">
             <a:extLst>
               <a:ext uri="{FF2B5EF4-FFF2-40B4-BE49-F238E27FC236}">
-                <a16:creationId xmlns:a16="http://schemas.microsoft.com/office/drawing/2014/main" id="{FFB35C92-845D-4049-8AFD-04B8FB55AAE8}"/>
+                <a16:creationId xmlns:a16="http://schemas.microsoft.com/office/drawing/2014/main" id="{B71CC7B3-7103-444B-A935-9FC5A6A53BC5}"/>
               </a:ext>
             </a:extLst>
           </p:cNvPr>
@@ -3939,8 +4166,12 @@
           <a:lstStyle/>
           <a:p>
             <a:r>
-              <a:rPr lang="hu-HU" dirty="0"/>
-              <a:t>Projekt szereplői						</a:t>
+              <a:rPr lang="hu-HU" b="1" dirty="0">
+                <a:solidFill>
+                  <a:schemeClr val="bg1"/>
+                </a:solidFill>
+              </a:rPr>
+              <a:t>Szakmai információtartalom</a:t>
             </a:r>
           </a:p>
         </p:txBody>
@@ -3950,7 +4181,7 @@
           <p:cNvPr id="3" name="Tartalom helye 2">
             <a:extLst>
               <a:ext uri="{FF2B5EF4-FFF2-40B4-BE49-F238E27FC236}">
-                <a16:creationId xmlns:a16="http://schemas.microsoft.com/office/drawing/2014/main" id="{705B1D5D-7C1E-43DA-9C8F-82C91636BEE1}"/>
+                <a16:creationId xmlns:a16="http://schemas.microsoft.com/office/drawing/2014/main" id="{F1E6BA45-C335-43D4-8BF6-3A9AE867087A}"/>
               </a:ext>
             </a:extLst>
           </p:cNvPr>
@@ -3967,20 +4198,32 @@
           <a:lstStyle/>
           <a:p>
             <a:r>
-              <a:rPr lang="hu-HU" dirty="0"/>
-              <a:t>Lehetnek: - külsők pl.: vevő, beszállító, alvállalkozó,  </a:t>
-            </a:r>
-          </a:p>
-          <a:p>
-            <a:r>
-              <a:rPr lang="hu-HU" dirty="0"/>
-              <a:t>részben belsők: menedzserek, különböző funkcionális egységek, - belsők: projektmenedzser, projekttagok. </a:t>
-            </a:r>
-          </a:p>
-          <a:p>
-            <a:r>
-              <a:rPr lang="hu-HU" dirty="0"/>
-              <a:t>A projektek szereplői azok a személyek vagy csoportok, amelyek minden projektnek részvevői.</a:t>
+              <a:rPr lang="hu-HU" dirty="0">
+                <a:solidFill>
+                  <a:schemeClr val="bg1"/>
+                </a:solidFill>
+              </a:rPr>
+              <a:t>Egy projektnek meghatározott célja van, határidő költség és erőforrás. </a:t>
+            </a:r>
+          </a:p>
+          <a:p>
+            <a:r>
+              <a:rPr lang="hu-HU" dirty="0">
+                <a:solidFill>
+                  <a:schemeClr val="bg1"/>
+                </a:solidFill>
+              </a:rPr>
+              <a:t>A projektkének van megadott kezdete és befejezése alapos tervezés.</a:t>
+            </a:r>
+          </a:p>
+          <a:p>
+            <a:r>
+              <a:rPr lang="hu-HU" dirty="0">
+                <a:solidFill>
+                  <a:schemeClr val="bg1"/>
+                </a:solidFill>
+              </a:rPr>
+              <a:t>A projekt sikerének titka a három tényező egyensúlya és folyamatos kommunikáció</a:t>
             </a:r>
           </a:p>
         </p:txBody>
@@ -3988,19 +4231,45 @@
     </p:spTree>
     <p:extLst>
       <p:ext uri="{BB962C8B-B14F-4D97-AF65-F5344CB8AC3E}">
-        <p14:creationId xmlns:p14="http://schemas.microsoft.com/office/powerpoint/2010/main" val="4103713422"/>
+        <p14:creationId xmlns:p14="http://schemas.microsoft.com/office/powerpoint/2010/main" val="318376724"/>
       </p:ext>
     </p:extLst>
   </p:cSld>
   <p:clrMapOvr>
     <a:masterClrMapping/>
   </p:clrMapOvr>
+  <mc:AlternateContent xmlns:mc="http://schemas.openxmlformats.org/markup-compatibility/2006">
+    <mc:Choice xmlns:p15="http://schemas.microsoft.com/office/powerpoint/2012/main" Requires="p15">
+      <p:transition xmlns:p14="http://schemas.microsoft.com/office/powerpoint/2010/main" spd="slow" p14:dur="2000">
+        <p15:prstTrans prst="wind"/>
+      </p:transition>
+    </mc:Choice>
+    <mc:Fallback>
+      <p:transition spd="slow">
+        <p:fade/>
+      </p:transition>
+    </mc:Fallback>
+  </mc:AlternateContent>
 </p:sld>
 </file>
 
-<file path=ppt/slides/slide6.xml><?xml version="1.0" encoding="utf-8"?>
+<file path=ppt/slides/slide4.xml><?xml version="1.0" encoding="utf-8"?>
 <p:sld xmlns:a="http://schemas.openxmlformats.org/drawingml/2006/main" xmlns:r="http://schemas.openxmlformats.org/officeDocument/2006/relationships" xmlns:p="http://schemas.openxmlformats.org/presentationml/2006/main">
   <p:cSld>
+    <p:bg>
+      <p:bgPr>
+        <a:blipFill dpi="0" rotWithShape="1">
+          <a:blip r:embed="rId2">
+            <a:lum/>
+          </a:blip>
+          <a:srcRect/>
+          <a:stretch>
+            <a:fillRect/>
+          </a:stretch>
+        </a:blipFill>
+        <a:effectLst/>
+      </p:bgPr>
+    </p:bg>
     <p:spTree>
       <p:nvGrpSpPr>
         <p:cNvPr id="1" name=""/>
@@ -4020,7 +4289,7 @@
           <p:cNvPr id="2" name="Cím 1">
             <a:extLst>
               <a:ext uri="{FF2B5EF4-FFF2-40B4-BE49-F238E27FC236}">
-                <a16:creationId xmlns:a16="http://schemas.microsoft.com/office/drawing/2014/main" id="{1C7E9F05-DE46-4BAC-B3ED-06B9DA076178}"/>
+                <a16:creationId xmlns:a16="http://schemas.microsoft.com/office/drawing/2014/main" id="{9B8B008E-CCBE-452B-A5F7-85CC410796F8}"/>
               </a:ext>
             </a:extLst>
           </p:cNvPr>
@@ -4037,8 +4306,12 @@
           <a:lstStyle/>
           <a:p>
             <a:r>
-              <a:rPr lang="hu-HU" dirty="0"/>
-              <a:t>Projekt</a:t>
+              <a:rPr lang="hu-HU" b="1" dirty="0">
+                <a:solidFill>
+                  <a:schemeClr val="bg1"/>
+                </a:solidFill>
+              </a:rPr>
+              <a:t>Projektek csoportosítása</a:t>
             </a:r>
           </a:p>
         </p:txBody>
@@ -4048,7 +4321,7 @@
           <p:cNvPr id="3" name="Tartalom helye 2">
             <a:extLst>
               <a:ext uri="{FF2B5EF4-FFF2-40B4-BE49-F238E27FC236}">
-                <a16:creationId xmlns:a16="http://schemas.microsoft.com/office/drawing/2014/main" id="{E09E1433-FAEB-4F17-950B-18421FA503E6}"/>
+                <a16:creationId xmlns:a16="http://schemas.microsoft.com/office/drawing/2014/main" id="{BBC11967-438A-448F-AC98-8303E0F25EB6}"/>
               </a:ext>
             </a:extLst>
           </p:cNvPr>
@@ -4066,24 +4339,39 @@
           </a:bodyPr>
           <a:lstStyle/>
           <a:p>
-            <a:r>
-              <a:rPr lang="hu-HU" sz="2400" dirty="0"/>
-              <a:t>Projektmenedzser:</a:t>
-            </a:r>
-          </a:p>
-          <a:p>
             <a:pPr marL="0" indent="0">
               <a:buNone/>
             </a:pPr>
             <a:r>
-              <a:rPr lang="hu-HU" sz="2400" dirty="0"/>
-              <a:t>A projektmenedzser az a személy, akinek a fő feladata a projektfolyamat kézbentartása, a projektteam vezetése. </a:t>
-            </a:r>
-          </a:p>
-          <a:p>
-            <a:r>
-              <a:rPr lang="hu-HU" sz="2400" dirty="0"/>
-              <a:t>Projekt csapat:</a:t>
+              <a:rPr lang="hu-HU" b="1" dirty="0">
+                <a:solidFill>
+                  <a:schemeClr val="bg1"/>
+                </a:solidFill>
+                <a:effectLst/>
+              </a:rPr>
+              <a:t>A projekteket többféle módon csoportosíthatjuk</a:t>
+            </a:r>
+          </a:p>
+          <a:p>
+            <a:r>
+              <a:rPr lang="hu-HU" dirty="0">
+                <a:solidFill>
+                  <a:schemeClr val="bg1"/>
+                </a:solidFill>
+                <a:effectLst/>
+              </a:rPr>
+              <a:t>A projektek téma, illetve tartalom alapján lehetnek pl.:</a:t>
+            </a:r>
+          </a:p>
+          <a:p>
+            <a:r>
+              <a:rPr lang="hu-HU" dirty="0">
+                <a:solidFill>
+                  <a:schemeClr val="bg1"/>
+                </a:solidFill>
+                <a:effectLst/>
+              </a:rPr>
+              <a:t>- építési projektek,</a:t>
             </a:r>
           </a:p>
           <a:p>
@@ -4091,16 +4379,56 @@
               <a:buNone/>
             </a:pPr>
             <a:r>
-              <a:rPr lang="hu-HU" sz="2400" dirty="0"/>
-              <a:t>A projekt sikerét jelentős mértékben meghatározza az, hogy milyen a munkacsapat összetétele. </a:t>
-            </a:r>
-            <a:endParaRPr lang="hu-HU" dirty="0"/>
-          </a:p>
-          <a:p>
-            <a:pPr marL="0" indent="0">
-              <a:buNone/>
-            </a:pPr>
-            <a:endParaRPr lang="hu-HU" dirty="0"/>
+              <a:rPr lang="hu-HU" b="1" dirty="0">
+                <a:solidFill>
+                  <a:schemeClr val="bg1"/>
+                </a:solidFill>
+                <a:effectLst/>
+              </a:rPr>
+              <a:t>Időtáv szerint</a:t>
+            </a:r>
+            <a:r>
+              <a:rPr lang="hu-HU" dirty="0">
+                <a:solidFill>
+                  <a:schemeClr val="bg1"/>
+                </a:solidFill>
+                <a:effectLst/>
+              </a:rPr>
+              <a:t>:</a:t>
+            </a:r>
+          </a:p>
+          <a:p>
+            <a:r>
+              <a:rPr lang="hu-HU" dirty="0">
+                <a:solidFill>
+                  <a:schemeClr val="bg1"/>
+                </a:solidFill>
+                <a:effectLst/>
+              </a:rPr>
+              <a:t>- rövid távú projektek,</a:t>
+            </a:r>
+          </a:p>
+          <a:p>
+            <a:r>
+              <a:rPr lang="hu-HU" dirty="0">
+                <a:solidFill>
+                  <a:schemeClr val="bg1"/>
+                </a:solidFill>
+                <a:effectLst/>
+              </a:rPr>
+              <a:t>- középtávú projektek,</a:t>
+            </a:r>
+          </a:p>
+          <a:p>
+            <a:r>
+              <a:rPr lang="hu-HU" dirty="0">
+                <a:solidFill>
+                  <a:schemeClr val="bg1"/>
+                </a:solidFill>
+                <a:effectLst/>
+              </a:rPr>
+              <a:t>- hosszú távú projektek</a:t>
+            </a:r>
           </a:p>
           <a:p>
             <a:endParaRPr lang="hu-HU" dirty="0"/>
@@ -4110,19 +4438,45 @@
     </p:spTree>
     <p:extLst>
       <p:ext uri="{BB962C8B-B14F-4D97-AF65-F5344CB8AC3E}">
-        <p14:creationId xmlns:p14="http://schemas.microsoft.com/office/powerpoint/2010/main" val="2952818176"/>
+        <p14:creationId xmlns:p14="http://schemas.microsoft.com/office/powerpoint/2010/main" val="2687675971"/>
       </p:ext>
     </p:extLst>
   </p:cSld>
   <p:clrMapOvr>
     <a:masterClrMapping/>
   </p:clrMapOvr>
+  <mc:AlternateContent xmlns:mc="http://schemas.openxmlformats.org/markup-compatibility/2006">
+    <mc:Choice xmlns:p14="http://schemas.microsoft.com/office/powerpoint/2010/main" Requires="p14">
+      <p:transition spd="slow" p14:dur="3000">
+        <p14:shred/>
+      </p:transition>
+    </mc:Choice>
+    <mc:Fallback>
+      <p:transition spd="slow">
+        <p:fade/>
+      </p:transition>
+    </mc:Fallback>
+  </mc:AlternateContent>
 </p:sld>
 </file>
 
-<file path=ppt/slides/slide7.xml><?xml version="1.0" encoding="utf-8"?>
+<file path=ppt/slides/slide5.xml><?xml version="1.0" encoding="utf-8"?>
 <p:sld xmlns:a="http://schemas.openxmlformats.org/drawingml/2006/main" xmlns:r="http://schemas.openxmlformats.org/officeDocument/2006/relationships" xmlns:p="http://schemas.openxmlformats.org/presentationml/2006/main">
   <p:cSld>
+    <p:bg>
+      <p:bgPr>
+        <a:blipFill dpi="0" rotWithShape="1">
+          <a:blip r:embed="rId2">
+            <a:lum/>
+          </a:blip>
+          <a:srcRect/>
+          <a:stretch>
+            <a:fillRect/>
+          </a:stretch>
+        </a:blipFill>
+        <a:effectLst/>
+      </p:bgPr>
+    </p:bg>
     <p:spTree>
       <p:nvGrpSpPr>
         <p:cNvPr id="1" name=""/>
@@ -4142,7 +4496,7 @@
           <p:cNvPr id="2" name="Cím 1">
             <a:extLst>
               <a:ext uri="{FF2B5EF4-FFF2-40B4-BE49-F238E27FC236}">
-                <a16:creationId xmlns:a16="http://schemas.microsoft.com/office/drawing/2014/main" id="{6F223498-9B91-4FA1-A470-1E6F21007C04}"/>
+                <a16:creationId xmlns:a16="http://schemas.microsoft.com/office/drawing/2014/main" id="{FFB35C92-845D-4049-8AFD-04B8FB55AAE8}"/>
               </a:ext>
             </a:extLst>
           </p:cNvPr>
@@ -4159,8 +4513,16 @@
           <a:lstStyle/>
           <a:p>
             <a:r>
+              <a:rPr lang="hu-HU" b="1" dirty="0">
+                <a:solidFill>
+                  <a:schemeClr val="bg1"/>
+                </a:solidFill>
+              </a:rPr>
+              <a:t>Projekt szereplői</a:t>
+            </a:r>
+            <a:r>
               <a:rPr lang="hu-HU" dirty="0"/>
-              <a:t>Funkcionális szervezet</a:t>
+              <a:t>						</a:t>
             </a:r>
           </a:p>
         </p:txBody>
@@ -4170,7 +4532,7 @@
           <p:cNvPr id="3" name="Tartalom helye 2">
             <a:extLst>
               <a:ext uri="{FF2B5EF4-FFF2-40B4-BE49-F238E27FC236}">
-                <a16:creationId xmlns:a16="http://schemas.microsoft.com/office/drawing/2014/main" id="{23A4D4C9-33A7-4F37-919C-9FE5E0EC177B}"/>
+                <a16:creationId xmlns:a16="http://schemas.microsoft.com/office/drawing/2014/main" id="{705B1D5D-7C1E-43DA-9C8F-82C91636BEE1}"/>
               </a:ext>
             </a:extLst>
           </p:cNvPr>
@@ -4187,14 +4549,32 @@
           <a:lstStyle/>
           <a:p>
             <a:r>
-              <a:rPr lang="hu-HU" dirty="0"/>
-              <a:t>Ezt a szervezeti formát egyértelmű hatáskör és jelentés jellemzi. Szervezeti felépítés előnye, hogy a specializáció által nagy termelékenység érhető el. </a:t>
-            </a:r>
-          </a:p>
-          <a:p>
-            <a:r>
-              <a:rPr lang="hu-HU" dirty="0"/>
-              <a:t>Hátránya viszont, hogy növekvő termékválasztéknál nő a koordinációs költség is.</a:t>
+              <a:rPr lang="hu-HU" dirty="0">
+                <a:solidFill>
+                  <a:schemeClr val="bg1"/>
+                </a:solidFill>
+              </a:rPr>
+              <a:t>Lehetnek: - külsők pl.: vevő, beszállító, alvállalkozó,  </a:t>
+            </a:r>
+          </a:p>
+          <a:p>
+            <a:r>
+              <a:rPr lang="hu-HU" dirty="0">
+                <a:solidFill>
+                  <a:schemeClr val="bg1"/>
+                </a:solidFill>
+              </a:rPr>
+              <a:t>részben belsők: menedzserek, különböző funkcionális egységek, - belsők: projektmenedzser, projekttagok. </a:t>
+            </a:r>
+          </a:p>
+          <a:p>
+            <a:r>
+              <a:rPr lang="hu-HU" dirty="0">
+                <a:solidFill>
+                  <a:schemeClr val="bg1"/>
+                </a:solidFill>
+              </a:rPr>
+              <a:t>A projektek szereplői azok a személyek vagy csoportok, amelyek minden projektnek részvevői.</a:t>
             </a:r>
           </a:p>
         </p:txBody>
@@ -4202,19 +4582,45 @@
     </p:spTree>
     <p:extLst>
       <p:ext uri="{BB962C8B-B14F-4D97-AF65-F5344CB8AC3E}">
-        <p14:creationId xmlns:p14="http://schemas.microsoft.com/office/powerpoint/2010/main" val="2201950171"/>
+        <p14:creationId xmlns:p14="http://schemas.microsoft.com/office/powerpoint/2010/main" val="4103713422"/>
       </p:ext>
     </p:extLst>
   </p:cSld>
   <p:clrMapOvr>
     <a:masterClrMapping/>
   </p:clrMapOvr>
+  <mc:AlternateContent xmlns:mc="http://schemas.openxmlformats.org/markup-compatibility/2006">
+    <mc:Choice xmlns:p14="http://schemas.microsoft.com/office/powerpoint/2010/main" Requires="p14">
+      <p:transition spd="slow" p14:dur="1400">
+        <p14:doors dir="vert"/>
+      </p:transition>
+    </mc:Choice>
+    <mc:Fallback>
+      <p:transition spd="slow">
+        <p:fade/>
+      </p:transition>
+    </mc:Fallback>
+  </mc:AlternateContent>
 </p:sld>
 </file>
 
-<file path=ppt/slides/slide8.xml><?xml version="1.0" encoding="utf-8"?>
+<file path=ppt/slides/slide6.xml><?xml version="1.0" encoding="utf-8"?>
 <p:sld xmlns:a="http://schemas.openxmlformats.org/drawingml/2006/main" xmlns:r="http://schemas.openxmlformats.org/officeDocument/2006/relationships" xmlns:p="http://schemas.openxmlformats.org/presentationml/2006/main">
   <p:cSld>
+    <p:bg>
+      <p:bgPr>
+        <a:blipFill dpi="0" rotWithShape="1">
+          <a:blip r:embed="rId2">
+            <a:lum/>
+          </a:blip>
+          <a:srcRect/>
+          <a:stretch>
+            <a:fillRect t="-9000" b="-9000"/>
+          </a:stretch>
+        </a:blipFill>
+        <a:effectLst/>
+      </p:bgPr>
+    </p:bg>
     <p:spTree>
       <p:nvGrpSpPr>
         <p:cNvPr id="1" name=""/>
@@ -4234,7 +4640,7 @@
           <p:cNvPr id="2" name="Cím 1">
             <a:extLst>
               <a:ext uri="{FF2B5EF4-FFF2-40B4-BE49-F238E27FC236}">
-                <a16:creationId xmlns:a16="http://schemas.microsoft.com/office/drawing/2014/main" id="{7E73B198-5554-4E69-8417-589E82A9DF10}"/>
+                <a16:creationId xmlns:a16="http://schemas.microsoft.com/office/drawing/2014/main" id="{1C7E9F05-DE46-4BAC-B3ED-06B9DA076178}"/>
               </a:ext>
             </a:extLst>
           </p:cNvPr>
@@ -4251,8 +4657,8 @@
           <a:lstStyle/>
           <a:p>
             <a:r>
-              <a:rPr lang="hu-HU" dirty="0"/>
-              <a:t>Integrált projektszervezet</a:t>
+              <a:rPr lang="hu-HU" b="1" dirty="0"/>
+              <a:t>Projekt</a:t>
             </a:r>
           </a:p>
         </p:txBody>
@@ -4262,7 +4668,7 @@
           <p:cNvPr id="3" name="Tartalom helye 2">
             <a:extLst>
               <a:ext uri="{FF2B5EF4-FFF2-40B4-BE49-F238E27FC236}">
-                <a16:creationId xmlns:a16="http://schemas.microsoft.com/office/drawing/2014/main" id="{210F2E8E-7419-41FF-8AA7-6A90D00090EF}"/>
+                <a16:creationId xmlns:a16="http://schemas.microsoft.com/office/drawing/2014/main" id="{E09E1433-FAEB-4F17-950B-18421FA503E6}"/>
               </a:ext>
             </a:extLst>
           </p:cNvPr>
@@ -4275,44 +4681,94 @@
         </p:nvSpPr>
         <p:spPr/>
         <p:txBody>
-          <a:bodyPr/>
-          <a:lstStyle/>
-          <a:p>
-            <a:r>
-              <a:rPr lang="hu-HU" dirty="0"/>
-              <a:t>Az integrált szervezet a tiszta projekttől, projektszervezettől a feladatmegosztás módjában különbözik. </a:t>
-            </a:r>
-          </a:p>
-          <a:p>
-            <a:r>
-              <a:rPr lang="hu-HU" dirty="0"/>
-              <a:t>A projektvezető feladatát ebben az esetben a „ki, mit, mikor” kérdések megválaszolása, az ezekkel kapcsolatos feladatok kézben tartása jelenti.</a:t>
-            </a:r>
-          </a:p>
-          <a:p>
-            <a:r>
-              <a:rPr lang="hu-HU" dirty="0"/>
-              <a:t> A vállalat vezetője csak a projekt vezetőjét, menedzserét választja ki.</a:t>
-            </a:r>
+          <a:bodyPr>
+            <a:normAutofit/>
+          </a:bodyPr>
+          <a:lstStyle/>
+          <a:p>
+            <a:r>
+              <a:rPr lang="hu-HU" sz="2400" dirty="0"/>
+              <a:t>Projektmenedzser:</a:t>
+            </a:r>
+          </a:p>
+          <a:p>
+            <a:pPr marL="0" indent="0">
+              <a:buNone/>
+            </a:pPr>
+            <a:r>
+              <a:rPr lang="hu-HU" sz="2400" dirty="0"/>
+              <a:t>A projektmenedzser az a személy, akinek a fő feladata a projektfolyamat kézbentartása, a projektteam vezetése. </a:t>
+            </a:r>
+          </a:p>
+          <a:p>
+            <a:r>
+              <a:rPr lang="hu-HU" sz="2400" dirty="0"/>
+              <a:t>Projekt csapat:</a:t>
+            </a:r>
+          </a:p>
+          <a:p>
+            <a:pPr marL="0" indent="0">
+              <a:buNone/>
+            </a:pPr>
+            <a:r>
+              <a:rPr lang="hu-HU" sz="2400" dirty="0"/>
+              <a:t>A projekt sikerét jelentős mértékben meghatározza az, hogy milyen a munkacsapat összetétele. </a:t>
+            </a:r>
+            <a:endParaRPr lang="hu-HU" dirty="0"/>
+          </a:p>
+          <a:p>
+            <a:pPr marL="0" indent="0">
+              <a:buNone/>
+            </a:pPr>
+            <a:endParaRPr lang="hu-HU" dirty="0"/>
+          </a:p>
+          <a:p>
+            <a:endParaRPr lang="hu-HU" dirty="0"/>
           </a:p>
         </p:txBody>
       </p:sp>
     </p:spTree>
     <p:extLst>
       <p:ext uri="{BB962C8B-B14F-4D97-AF65-F5344CB8AC3E}">
-        <p14:creationId xmlns:p14="http://schemas.microsoft.com/office/powerpoint/2010/main" val="481144696"/>
+        <p14:creationId xmlns:p14="http://schemas.microsoft.com/office/powerpoint/2010/main" val="2952818176"/>
       </p:ext>
     </p:extLst>
   </p:cSld>
   <p:clrMapOvr>
     <a:masterClrMapping/>
   </p:clrMapOvr>
+  <mc:AlternateContent xmlns:mc="http://schemas.openxmlformats.org/markup-compatibility/2006">
+    <mc:Choice xmlns:p15="http://schemas.microsoft.com/office/powerpoint/2012/main" Requires="p15">
+      <p:transition xmlns:p14="http://schemas.microsoft.com/office/powerpoint/2010/main" spd="slow" p14:dur="2000">
+        <p15:prstTrans prst="fracture"/>
+      </p:transition>
+    </mc:Choice>
+    <mc:Fallback>
+      <p:transition spd="slow">
+        <p:fade/>
+      </p:transition>
+    </mc:Fallback>
+  </mc:AlternateContent>
 </p:sld>
 </file>
 
-<file path=ppt/slides/slide9.xml><?xml version="1.0" encoding="utf-8"?>
+<file path=ppt/slides/slide7.xml><?xml version="1.0" encoding="utf-8"?>
 <p:sld xmlns:a="http://schemas.openxmlformats.org/drawingml/2006/main" xmlns:r="http://schemas.openxmlformats.org/officeDocument/2006/relationships" xmlns:p="http://schemas.openxmlformats.org/presentationml/2006/main">
   <p:cSld>
+    <p:bg>
+      <p:bgPr>
+        <a:blipFill dpi="0" rotWithShape="1">
+          <a:blip r:embed="rId2">
+            <a:lum/>
+          </a:blip>
+          <a:srcRect/>
+          <a:stretch>
+            <a:fillRect t="-9000" b="-9000"/>
+          </a:stretch>
+        </a:blipFill>
+        <a:effectLst/>
+      </p:bgPr>
+    </p:bg>
     <p:spTree>
       <p:nvGrpSpPr>
         <p:cNvPr id="1" name=""/>
@@ -4332,6 +4788,253 @@
           <p:cNvPr id="2" name="Cím 1">
             <a:extLst>
               <a:ext uri="{FF2B5EF4-FFF2-40B4-BE49-F238E27FC236}">
+                <a16:creationId xmlns:a16="http://schemas.microsoft.com/office/drawing/2014/main" id="{6F223498-9B91-4FA1-A470-1E6F21007C04}"/>
+              </a:ext>
+            </a:extLst>
+          </p:cNvPr>
+          <p:cNvSpPr>
+            <a:spLocks noGrp="1"/>
+          </p:cNvSpPr>
+          <p:nvPr>
+            <p:ph type="title"/>
+          </p:nvPr>
+        </p:nvSpPr>
+        <p:spPr/>
+        <p:txBody>
+          <a:bodyPr/>
+          <a:lstStyle/>
+          <a:p>
+            <a:r>
+              <a:rPr lang="hu-HU" b="1" dirty="0"/>
+              <a:t>Funkcionális szervezet</a:t>
+            </a:r>
+          </a:p>
+        </p:txBody>
+      </p:sp>
+      <p:sp>
+        <p:nvSpPr>
+          <p:cNvPr id="3" name="Tartalom helye 2">
+            <a:extLst>
+              <a:ext uri="{FF2B5EF4-FFF2-40B4-BE49-F238E27FC236}">
+                <a16:creationId xmlns:a16="http://schemas.microsoft.com/office/drawing/2014/main" id="{23A4D4C9-33A7-4F37-919C-9FE5E0EC177B}"/>
+              </a:ext>
+            </a:extLst>
+          </p:cNvPr>
+          <p:cNvSpPr>
+            <a:spLocks noGrp="1"/>
+          </p:cNvSpPr>
+          <p:nvPr>
+            <p:ph idx="1"/>
+          </p:nvPr>
+        </p:nvSpPr>
+        <p:spPr/>
+        <p:txBody>
+          <a:bodyPr/>
+          <a:lstStyle/>
+          <a:p>
+            <a:r>
+              <a:rPr lang="hu-HU" dirty="0"/>
+              <a:t>Ezt a szervezeti formát egyértelmű hatáskör és jelentés jellemzi. Szervezeti felépítés előnye, hogy a specializáció által nagy termelékenység érhető el. </a:t>
+            </a:r>
+          </a:p>
+          <a:p>
+            <a:r>
+              <a:rPr lang="hu-HU" dirty="0"/>
+              <a:t>Hátránya viszont, hogy növekvő termékválasztéknál nő a koordinációs költség is.</a:t>
+            </a:r>
+          </a:p>
+        </p:txBody>
+      </p:sp>
+    </p:spTree>
+    <p:extLst>
+      <p:ext uri="{BB962C8B-B14F-4D97-AF65-F5344CB8AC3E}">
+        <p14:creationId xmlns:p14="http://schemas.microsoft.com/office/powerpoint/2010/main" val="2201950171"/>
+      </p:ext>
+    </p:extLst>
+  </p:cSld>
+  <p:clrMapOvr>
+    <a:masterClrMapping/>
+  </p:clrMapOvr>
+  <mc:AlternateContent xmlns:mc="http://schemas.openxmlformats.org/markup-compatibility/2006">
+    <mc:Choice xmlns:p15="http://schemas.microsoft.com/office/powerpoint/2012/main" Requires="p15">
+      <p:transition xmlns:p14="http://schemas.microsoft.com/office/powerpoint/2010/main" spd="slow" p14:dur="2000">
+        <p15:prstTrans prst="crush"/>
+      </p:transition>
+    </mc:Choice>
+    <mc:Fallback>
+      <p:transition spd="slow">
+        <p:fade/>
+      </p:transition>
+    </mc:Fallback>
+  </mc:AlternateContent>
+</p:sld>
+</file>
+
+<file path=ppt/slides/slide8.xml><?xml version="1.0" encoding="utf-8"?>
+<p:sld xmlns:a="http://schemas.openxmlformats.org/drawingml/2006/main" xmlns:r="http://schemas.openxmlformats.org/officeDocument/2006/relationships" xmlns:p="http://schemas.openxmlformats.org/presentationml/2006/main">
+  <p:cSld>
+    <p:bg>
+      <p:bgPr>
+        <a:blipFill dpi="0" rotWithShape="1">
+          <a:blip r:embed="rId2">
+            <a:lum/>
+          </a:blip>
+          <a:srcRect/>
+          <a:stretch>
+            <a:fillRect/>
+          </a:stretch>
+        </a:blipFill>
+        <a:effectLst/>
+      </p:bgPr>
+    </p:bg>
+    <p:spTree>
+      <p:nvGrpSpPr>
+        <p:cNvPr id="1" name=""/>
+        <p:cNvGrpSpPr/>
+        <p:nvPr/>
+      </p:nvGrpSpPr>
+      <p:grpSpPr>
+        <a:xfrm>
+          <a:off x="0" y="0"/>
+          <a:ext cx="0" cy="0"/>
+          <a:chOff x="0" y="0"/>
+          <a:chExt cx="0" cy="0"/>
+        </a:xfrm>
+      </p:grpSpPr>
+      <p:sp>
+        <p:nvSpPr>
+          <p:cNvPr id="2" name="Cím 1">
+            <a:extLst>
+              <a:ext uri="{FF2B5EF4-FFF2-40B4-BE49-F238E27FC236}">
+                <a16:creationId xmlns:a16="http://schemas.microsoft.com/office/drawing/2014/main" id="{7E73B198-5554-4E69-8417-589E82A9DF10}"/>
+              </a:ext>
+            </a:extLst>
+          </p:cNvPr>
+          <p:cNvSpPr>
+            <a:spLocks noGrp="1"/>
+          </p:cNvSpPr>
+          <p:nvPr>
+            <p:ph type="title"/>
+          </p:nvPr>
+        </p:nvSpPr>
+        <p:spPr>
+          <a:xfrm>
+            <a:off x="853440" y="365125"/>
+            <a:ext cx="10515600" cy="1325563"/>
+          </a:xfrm>
+        </p:spPr>
+        <p:txBody>
+          <a:bodyPr/>
+          <a:lstStyle/>
+          <a:p>
+            <a:r>
+              <a:rPr lang="hu-HU" b="1" dirty="0"/>
+              <a:t>Integrált projektszervezet</a:t>
+            </a:r>
+          </a:p>
+        </p:txBody>
+      </p:sp>
+      <p:sp>
+        <p:nvSpPr>
+          <p:cNvPr id="3" name="Tartalom helye 2">
+            <a:extLst>
+              <a:ext uri="{FF2B5EF4-FFF2-40B4-BE49-F238E27FC236}">
+                <a16:creationId xmlns:a16="http://schemas.microsoft.com/office/drawing/2014/main" id="{210F2E8E-7419-41FF-8AA7-6A90D00090EF}"/>
+              </a:ext>
+            </a:extLst>
+          </p:cNvPr>
+          <p:cNvSpPr>
+            <a:spLocks noGrp="1"/>
+          </p:cNvSpPr>
+          <p:nvPr>
+            <p:ph idx="1"/>
+          </p:nvPr>
+        </p:nvSpPr>
+        <p:spPr/>
+        <p:txBody>
+          <a:bodyPr/>
+          <a:lstStyle/>
+          <a:p>
+            <a:r>
+              <a:rPr lang="hu-HU" dirty="0"/>
+              <a:t>Az integrált szervezet a tiszta projekttől, projektszervezettől a feladatmegosztás módjában különbözik. </a:t>
+            </a:r>
+          </a:p>
+          <a:p>
+            <a:r>
+              <a:rPr lang="hu-HU" dirty="0"/>
+              <a:t>A projektvezető feladatát ebben az esetben a „ki, mit, mikor” kérdések megválaszolása</a:t>
+            </a:r>
+          </a:p>
+          <a:p>
+            <a:r>
+              <a:rPr lang="hu-HU" dirty="0"/>
+              <a:t> A vállalat vezetője csak a projekt vezetőjét, menedzserét választja ki.</a:t>
+            </a:r>
+          </a:p>
+        </p:txBody>
+      </p:sp>
+    </p:spTree>
+    <p:extLst>
+      <p:ext uri="{BB962C8B-B14F-4D97-AF65-F5344CB8AC3E}">
+        <p14:creationId xmlns:p14="http://schemas.microsoft.com/office/powerpoint/2010/main" val="481144696"/>
+      </p:ext>
+    </p:extLst>
+  </p:cSld>
+  <p:clrMapOvr>
+    <a:masterClrMapping/>
+  </p:clrMapOvr>
+  <mc:AlternateContent xmlns:mc="http://schemas.openxmlformats.org/markup-compatibility/2006">
+    <mc:Choice xmlns:p15="http://schemas.microsoft.com/office/powerpoint/2012/main" Requires="p15">
+      <p:transition xmlns:p14="http://schemas.microsoft.com/office/powerpoint/2010/main" spd="slow" p14:dur="1250">
+        <p15:prstTrans prst="peelOff"/>
+      </p:transition>
+    </mc:Choice>
+    <mc:Fallback>
+      <p:transition spd="slow">
+        <p:fade/>
+      </p:transition>
+    </mc:Fallback>
+  </mc:AlternateContent>
+</p:sld>
+</file>
+
+<file path=ppt/slides/slide9.xml><?xml version="1.0" encoding="utf-8"?>
+<p:sld xmlns:a="http://schemas.openxmlformats.org/drawingml/2006/main" xmlns:r="http://schemas.openxmlformats.org/officeDocument/2006/relationships" xmlns:p="http://schemas.openxmlformats.org/presentationml/2006/main">
+  <p:cSld>
+    <p:bg>
+      <p:bgPr>
+        <a:blipFill dpi="0" rotWithShape="1">
+          <a:blip r:embed="rId2">
+            <a:lum/>
+          </a:blip>
+          <a:srcRect/>
+          <a:stretch>
+            <a:fillRect/>
+          </a:stretch>
+        </a:blipFill>
+        <a:effectLst/>
+      </p:bgPr>
+    </p:bg>
+    <p:spTree>
+      <p:nvGrpSpPr>
+        <p:cNvPr id="1" name=""/>
+        <p:cNvGrpSpPr/>
+        <p:nvPr/>
+      </p:nvGrpSpPr>
+      <p:grpSpPr>
+        <a:xfrm>
+          <a:off x="0" y="0"/>
+          <a:ext cx="0" cy="0"/>
+          <a:chOff x="0" y="0"/>
+          <a:chExt cx="0" cy="0"/>
+        </a:xfrm>
+      </p:grpSpPr>
+      <p:sp>
+        <p:nvSpPr>
+          <p:cNvPr id="2" name="Cím 1">
+            <a:extLst>
+              <a:ext uri="{FF2B5EF4-FFF2-40B4-BE49-F238E27FC236}">
                 <a16:creationId xmlns:a16="http://schemas.microsoft.com/office/drawing/2014/main" id="{FE1959AF-FAD9-434B-BE65-D2419FF751C4}"/>
               </a:ext>
             </a:extLst>
@@ -4349,7 +5052,7 @@
           <a:lstStyle/>
           <a:p>
             <a:r>
-              <a:rPr lang="hu-HU" dirty="0"/>
+              <a:rPr lang="hu-HU" b="1" dirty="0"/>
               <a:t>Projektciklus-menedzsment</a:t>
             </a:r>
           </a:p>
@@ -4417,6 +5120,18 @@
   <p:clrMapOvr>
     <a:masterClrMapping/>
   </p:clrMapOvr>
+  <mc:AlternateContent xmlns:mc="http://schemas.openxmlformats.org/markup-compatibility/2006">
+    <mc:Choice xmlns:p15="http://schemas.microsoft.com/office/powerpoint/2012/main" Requires="p15">
+      <p:transition xmlns:p14="http://schemas.microsoft.com/office/powerpoint/2010/main" spd="slow" p14:dur="1250">
+        <p15:prstTrans prst="pageCurlDouble"/>
+      </p:transition>
+    </mc:Choice>
+    <mc:Fallback>
+      <p:transition spd="slow">
+        <p:fade/>
+      </p:transition>
+    </mc:Fallback>
+  </mc:AlternateContent>
 </p:sld>
 </file>
 
@@ -4713,4 +5428,299 @@
     </a:ext>
   </a:extLst>
 </a:theme>
+</file>
+
+<file path=ppt/theme/theme2.xml><?xml version="1.0" encoding="utf-8"?>
+<a:theme xmlns:a="http://schemas.openxmlformats.org/drawingml/2006/main" name="Office-téma">
+  <a:themeElements>
+    <a:clrScheme name="Office">
+      <a:dk1>
+        <a:sysClr val="windowText" lastClr="000000"/>
+      </a:dk1>
+      <a:lt1>
+        <a:sysClr val="window" lastClr="FFFFFF"/>
+      </a:lt1>
+      <a:dk2>
+        <a:srgbClr val="44546A"/>
+      </a:dk2>
+      <a:lt2>
+        <a:srgbClr val="E7E6E6"/>
+      </a:lt2>
+      <a:accent1>
+        <a:srgbClr val="4472C4"/>
+      </a:accent1>
+      <a:accent2>
+        <a:srgbClr val="ED7D31"/>
+      </a:accent2>
+      <a:accent3>
+        <a:srgbClr val="A5A5A5"/>
+      </a:accent3>
+      <a:accent4>
+        <a:srgbClr val="FFC000"/>
+      </a:accent4>
+      <a:accent5>
+        <a:srgbClr val="5B9BD5"/>
+      </a:accent5>
+      <a:accent6>
+        <a:srgbClr val="70AD47"/>
+      </a:accent6>
+      <a:hlink>
+        <a:srgbClr val="0563C1"/>
+      </a:hlink>
+      <a:folHlink>
+        <a:srgbClr val="954F72"/>
+      </a:folHlink>
+    </a:clrScheme>
+    <a:fontScheme name="Office">
+      <a:majorFont>
+        <a:latin typeface="Calibri Light" panose="020F0302020204030204"/>
+        <a:ea typeface=""/>
+        <a:cs typeface=""/>
+        <a:font script="Jpan" typeface="游ゴシック Light"/>
+        <a:font script="Hang" typeface="맑은 고딕"/>
+        <a:font script="Hans" typeface="等线 Light"/>
+        <a:font script="Hant" typeface="新細明體"/>
+        <a:font script="Arab" typeface="Times New Roman"/>
+        <a:font script="Hebr" typeface="Times New Roman"/>
+        <a:font script="Thai" typeface="Angsana New"/>
+        <a:font script="Ethi" typeface="Nyala"/>
+        <a:font script="Beng" typeface="Vrinda"/>
+        <a:font script="Gujr" typeface="Shruti"/>
+        <a:font script="Khmr" typeface="MoolBoran"/>
+        <a:font script="Knda" typeface="Tunga"/>
+        <a:font script="Guru" typeface="Raavi"/>
+        <a:font script="Cans" typeface="Euphemia"/>
+        <a:font script="Cher" typeface="Plantagenet Cherokee"/>
+        <a:font script="Yiii" typeface="Microsoft Yi Baiti"/>
+        <a:font script="Tibt" typeface="Microsoft Himalaya"/>
+        <a:font script="Thaa" typeface="MV Boli"/>
+        <a:font script="Deva" typeface="Mangal"/>
+        <a:font script="Telu" typeface="Gautami"/>
+        <a:font script="Taml" typeface="Latha"/>
+        <a:font script="Syrc" typeface="Estrangelo Edessa"/>
+        <a:font script="Orya" typeface="Kalinga"/>
+        <a:font script="Mlym" typeface="Kartika"/>
+        <a:font script="Laoo" typeface="DokChampa"/>
+        <a:font script="Sinh" typeface="Iskoola Pota"/>
+        <a:font script="Mong" typeface="Mongolian Baiti"/>
+        <a:font script="Viet" typeface="Times New Roman"/>
+        <a:font script="Uigh" typeface="Microsoft Uighur"/>
+        <a:font script="Geor" typeface="Sylfaen"/>
+        <a:font script="Armn" typeface="Arial"/>
+        <a:font script="Bugi" typeface="Leelawadee UI"/>
+        <a:font script="Bopo" typeface="Microsoft JhengHei"/>
+        <a:font script="Java" typeface="Javanese Text"/>
+        <a:font script="Lisu" typeface="Segoe UI"/>
+        <a:font script="Mymr" typeface="Myanmar Text"/>
+        <a:font script="Nkoo" typeface="Ebrima"/>
+        <a:font script="Olck" typeface="Nirmala UI"/>
+        <a:font script="Osma" typeface="Ebrima"/>
+        <a:font script="Phag" typeface="Phagspa"/>
+        <a:font script="Syrn" typeface="Estrangelo Edessa"/>
+        <a:font script="Syrj" typeface="Estrangelo Edessa"/>
+        <a:font script="Syre" typeface="Estrangelo Edessa"/>
+        <a:font script="Sora" typeface="Nirmala UI"/>
+        <a:font script="Tale" typeface="Microsoft Tai Le"/>
+        <a:font script="Talu" typeface="Microsoft New Tai Lue"/>
+        <a:font script="Tfng" typeface="Ebrima"/>
+      </a:majorFont>
+      <a:minorFont>
+        <a:latin typeface="Calibri" panose="020F0502020204030204"/>
+        <a:ea typeface=""/>
+        <a:cs typeface=""/>
+        <a:font script="Jpan" typeface="游ゴシック"/>
+        <a:font script="Hang" typeface="맑은 고딕"/>
+        <a:font script="Hans" typeface="等线"/>
+        <a:font script="Hant" typeface="新細明體"/>
+        <a:font script="Arab" typeface="Arial"/>
+        <a:font script="Hebr" typeface="Arial"/>
+        <a:font script="Thai" typeface="Cordia New"/>
+        <a:font script="Ethi" typeface="Nyala"/>
+        <a:font script="Beng" typeface="Vrinda"/>
+        <a:font script="Gujr" typeface="Shruti"/>
+        <a:font script="Khmr" typeface="DaunPenh"/>
+        <a:font script="Knda" typeface="Tunga"/>
+        <a:font script="Guru" typeface="Raavi"/>
+        <a:font script="Cans" typeface="Euphemia"/>
+        <a:font script="Cher" typeface="Plantagenet Cherokee"/>
+        <a:font script="Yiii" typeface="Microsoft Yi Baiti"/>
+        <a:font script="Tibt" typeface="Microsoft Himalaya"/>
+        <a:font script="Thaa" typeface="MV Boli"/>
+        <a:font script="Deva" typeface="Mangal"/>
+        <a:font script="Telu" typeface="Gautami"/>
+        <a:font script="Taml" typeface="Latha"/>
+        <a:font script="Syrc" typeface="Estrangelo Edessa"/>
+        <a:font script="Orya" typeface="Kalinga"/>
+        <a:font script="Mlym" typeface="Kartika"/>
+        <a:font script="Laoo" typeface="DokChampa"/>
+        <a:font script="Sinh" typeface="Iskoola Pota"/>
+        <a:font script="Mong" typeface="Mongolian Baiti"/>
+        <a:font script="Viet" typeface="Arial"/>
+        <a:font script="Uigh" typeface="Microsoft Uighur"/>
+        <a:font script="Geor" typeface="Sylfaen"/>
+        <a:font script="Armn" typeface="Arial"/>
+        <a:font script="Bugi" typeface="Leelawadee UI"/>
+        <a:font script="Bopo" typeface="Microsoft JhengHei"/>
+        <a:font script="Java" typeface="Javanese Text"/>
+        <a:font script="Lisu" typeface="Segoe UI"/>
+        <a:font script="Mymr" typeface="Myanmar Text"/>
+        <a:font script="Nkoo" typeface="Ebrima"/>
+        <a:font script="Olck" typeface="Nirmala UI"/>
+        <a:font script="Osma" typeface="Ebrima"/>
+        <a:font script="Phag" typeface="Phagspa"/>
+        <a:font script="Syrn" typeface="Estrangelo Edessa"/>
+        <a:font script="Syrj" typeface="Estrangelo Edessa"/>
+        <a:font script="Syre" typeface="Estrangelo Edessa"/>
+        <a:font script="Sora" typeface="Nirmala UI"/>
+        <a:font script="Tale" typeface="Microsoft Tai Le"/>
+        <a:font script="Talu" typeface="Microsoft New Tai Lue"/>
+        <a:font script="Tfng" typeface="Ebrima"/>
+      </a:minorFont>
+    </a:fontScheme>
+    <a:fmtScheme name="Office">
+      <a:fillStyleLst>
+        <a:solidFill>
+          <a:schemeClr val="phClr"/>
+        </a:solidFill>
+        <a:gradFill rotWithShape="1">
+          <a:gsLst>
+            <a:gs pos="0">
+              <a:schemeClr val="phClr">
+                <a:lumMod val="110000"/>
+                <a:satMod val="105000"/>
+                <a:tint val="67000"/>
+              </a:schemeClr>
+            </a:gs>
+            <a:gs pos="50000">
+              <a:schemeClr val="phClr">
+                <a:lumMod val="105000"/>
+                <a:satMod val="103000"/>
+                <a:tint val="73000"/>
+              </a:schemeClr>
+            </a:gs>
+            <a:gs pos="100000">
+              <a:schemeClr val="phClr">
+                <a:lumMod val="105000"/>
+                <a:satMod val="109000"/>
+                <a:tint val="81000"/>
+              </a:schemeClr>
+            </a:gs>
+          </a:gsLst>
+          <a:lin ang="5400000" scaled="0"/>
+        </a:gradFill>
+        <a:gradFill rotWithShape="1">
+          <a:gsLst>
+            <a:gs pos="0">
+              <a:schemeClr val="phClr">
+                <a:satMod val="103000"/>
+                <a:lumMod val="102000"/>
+                <a:tint val="94000"/>
+              </a:schemeClr>
+            </a:gs>
+            <a:gs pos="50000">
+              <a:schemeClr val="phClr">
+                <a:satMod val="110000"/>
+                <a:lumMod val="100000"/>
+                <a:shade val="100000"/>
+              </a:schemeClr>
+            </a:gs>
+            <a:gs pos="100000">
+              <a:schemeClr val="phClr">
+                <a:lumMod val="99000"/>
+                <a:satMod val="120000"/>
+                <a:shade val="78000"/>
+              </a:schemeClr>
+            </a:gs>
+          </a:gsLst>
+          <a:lin ang="5400000" scaled="0"/>
+        </a:gradFill>
+      </a:fillStyleLst>
+      <a:lnStyleLst>
+        <a:ln w="6350" cap="flat" cmpd="sng" algn="ctr">
+          <a:solidFill>
+            <a:schemeClr val="phClr"/>
+          </a:solidFill>
+          <a:prstDash val="solid"/>
+          <a:miter lim="800000"/>
+        </a:ln>
+        <a:ln w="12700" cap="flat" cmpd="sng" algn="ctr">
+          <a:solidFill>
+            <a:schemeClr val="phClr"/>
+          </a:solidFill>
+          <a:prstDash val="solid"/>
+          <a:miter lim="800000"/>
+        </a:ln>
+        <a:ln w="19050" cap="flat" cmpd="sng" algn="ctr">
+          <a:solidFill>
+            <a:schemeClr val="phClr"/>
+          </a:solidFill>
+          <a:prstDash val="solid"/>
+          <a:miter lim="800000"/>
+        </a:ln>
+      </a:lnStyleLst>
+      <a:effectStyleLst>
+        <a:effectStyle>
+          <a:effectLst/>
+        </a:effectStyle>
+        <a:effectStyle>
+          <a:effectLst/>
+        </a:effectStyle>
+        <a:effectStyle>
+          <a:effectLst>
+            <a:outerShdw blurRad="57150" dist="19050" dir="5400000" algn="ctr" rotWithShape="0">
+              <a:srgbClr val="000000">
+                <a:alpha val="63000"/>
+              </a:srgbClr>
+            </a:outerShdw>
+          </a:effectLst>
+        </a:effectStyle>
+      </a:effectStyleLst>
+      <a:bgFillStyleLst>
+        <a:solidFill>
+          <a:schemeClr val="phClr"/>
+        </a:solidFill>
+        <a:solidFill>
+          <a:schemeClr val="phClr">
+            <a:tint val="95000"/>
+            <a:satMod val="170000"/>
+          </a:schemeClr>
+        </a:solidFill>
+        <a:gradFill rotWithShape="1">
+          <a:gsLst>
+            <a:gs pos="0">
+              <a:schemeClr val="phClr">
+                <a:tint val="93000"/>
+                <a:satMod val="150000"/>
+                <a:shade val="98000"/>
+                <a:lumMod val="102000"/>
+              </a:schemeClr>
+            </a:gs>
+            <a:gs pos="50000">
+              <a:schemeClr val="phClr">
+                <a:tint val="98000"/>
+                <a:satMod val="130000"/>
+                <a:shade val="90000"/>
+                <a:lumMod val="103000"/>
+              </a:schemeClr>
+            </a:gs>
+            <a:gs pos="100000">
+              <a:schemeClr val="phClr">
+                <a:shade val="63000"/>
+                <a:satMod val="120000"/>
+              </a:schemeClr>
+            </a:gs>
+          </a:gsLst>
+          <a:lin ang="5400000" scaled="0"/>
+        </a:gradFill>
+      </a:bgFillStyleLst>
+    </a:fmtScheme>
+  </a:themeElements>
+  <a:objectDefaults/>
+  <a:extraClrSchemeLst/>
+  <a:extLst>
+    <a:ext uri="{05A4C25C-085E-4340-85A3-A5531E510DB2}">
+      <thm15:themeFamily xmlns:thm15="http://schemas.microsoft.com/office/thememl/2012/main" name="Office Theme" id="{62F939B6-93AF-4DB8-9C6B-D6C7DFDC589F}" vid="{4A3C46E8-61CC-4603-A589-7422A47A8E4A}"/>
+    </a:ext>
+  </a:extLst>
+</a:theme>
 </file>